--- a/Azure Web Development/2. Azure Storage/Azure Storage and Cognitive Services.pptx
+++ b/Azure Web Development/2. Azure Storage/Azure Storage and Cognitive Services.pptx
@@ -221,7 +221,7 @@
           <a:p>
             <a:fld id="{49B60EF2-7028-489F-85D8-FE86CD7CF2A0}" type="datetimeFigureOut">
               <a:rPr lang="en-US" smtClean="0"/>
-              <a:t>2/5/2017</a:t>
+              <a:t>7/9/2018</a:t>
             </a:fld>
             <a:endParaRPr lang="en-US"/>
           </a:p>
@@ -634,14 +634,14 @@
               <a:defRPr/>
             </a:pPr>
             <a:r>
-              <a:rPr lang="en-US" dirty="0" smtClean="0"/>
+              <a:rPr lang="en-US" dirty="0"/>
               <a:t>The Microsoft Azure Storage Explorer provides an easy-to-use</a:t>
             </a:r>
             <a:r>
-              <a:rPr lang="en-US" baseline="0" dirty="0" smtClean="0"/>
+              <a:rPr lang="en-US" baseline="0" dirty="0"/>
               <a:t> GUI interface for creating containers, uploading and downloading blobs, generating SAS tokens, and more. But if you want to use a scripting language such as Bash or PowerShell to script storage operations, the Azure CLI is the way to go.</a:t>
             </a:r>
-            <a:endParaRPr lang="en-US" dirty="0" smtClean="0"/>
+            <a:endParaRPr lang="en-US" dirty="0"/>
           </a:p>
         </p:txBody>
       </p:sp>
@@ -726,11 +726,11 @@
           <a:lstStyle/>
           <a:p>
             <a:r>
-              <a:rPr lang="en-US" dirty="0" smtClean="0"/>
+              <a:rPr lang="en-US" dirty="0"/>
               <a:t>Azure provides a very rich REST-based API for blob</a:t>
             </a:r>
             <a:r>
-              <a:rPr lang="en-US" baseline="0" dirty="0" smtClean="0"/>
+              <a:rPr lang="en-US" baseline="0" dirty="0"/>
               <a:t> storage. Microsoft also provides free libraries/SDKs for popular platforms and languages that wrap the REST API and simplify the code that you write.</a:t>
             </a:r>
             <a:endParaRPr lang="en-US" dirty="0"/>
@@ -818,11 +818,11 @@
           <a:lstStyle/>
           <a:p>
             <a:r>
-              <a:rPr lang="en-US" dirty="0" smtClean="0"/>
+              <a:rPr lang="en-US" dirty="0"/>
               <a:t>Cognitive</a:t>
             </a:r>
             <a:r>
-              <a:rPr lang="en-US" baseline="0" dirty="0" smtClean="0"/>
+              <a:rPr lang="en-US" baseline="0" dirty="0"/>
               <a:t> Services includes 21 APIs that fall into five categories: vision, speech, language, knowledge, and search.</a:t>
             </a:r>
             <a:endParaRPr lang="en-US" dirty="0"/>
@@ -910,7 +910,7 @@
           <a:lstStyle/>
           <a:p>
             <a:r>
-              <a:rPr lang="en-US" sz="1200" b="0" i="0" kern="1200" dirty="0" smtClean="0">
+              <a:rPr lang="en-US" sz="1200" b="0" i="0" kern="1200" dirty="0">
                 <a:solidFill>
                   <a:schemeClr val="tx1"/>
                 </a:solidFill>
@@ -922,7 +922,7 @@
               <a:t> </a:t>
             </a:r>
             <a:r>
-              <a:rPr lang="en-US" sz="1200" b="0" i="0" u="none" strike="noStrike" kern="1200" dirty="0" smtClean="0">
+              <a:rPr lang="en-US" sz="1200" b="0" i="0" u="none" strike="noStrike" kern="1200" dirty="0">
                 <a:solidFill>
                   <a:schemeClr val="tx1"/>
                 </a:solidFill>
@@ -934,7 +934,7 @@
               <a:t>Microsoft Cognitive Services</a:t>
             </a:r>
             <a:r>
-              <a:rPr lang="en-US" sz="1200" b="0" i="0" u="none" strike="noStrike" kern="1200" baseline="0" dirty="0" smtClean="0">
+              <a:rPr lang="en-US" sz="1200" b="0" i="0" u="none" strike="noStrike" kern="1200" baseline="0" dirty="0">
                 <a:solidFill>
                   <a:schemeClr val="tx1"/>
                 </a:solidFill>
@@ -946,7 +946,7 @@
               <a:t> is </a:t>
             </a:r>
             <a:r>
-              <a:rPr lang="en-US" sz="1200" b="0" i="0" kern="1200" dirty="0" smtClean="0">
+              <a:rPr lang="en-US" sz="1200" b="0" i="0" kern="1200" dirty="0">
                 <a:solidFill>
                   <a:schemeClr val="tx1"/>
                 </a:solidFill>
@@ -1042,11 +1042,11 @@
           <a:lstStyle/>
           <a:p>
             <a:r>
-              <a:rPr lang="en-US" dirty="0" smtClean="0"/>
+              <a:rPr lang="en-US" dirty="0"/>
               <a:t>The Computer Vision API, part of Cognitive</a:t>
             </a:r>
             <a:r>
-              <a:rPr lang="en-US" baseline="0" dirty="0" smtClean="0"/>
+              <a:rPr lang="en-US" baseline="0" dirty="0"/>
               <a:t> Services, offers methods for captioning images, generating metadata keywords, recognizing celebrities, reading text, and generating "smart" thumbnails. For more information, visit https://www.microsoft.com/cognitive-services/en-us/computer-vision-api.</a:t>
             </a:r>
             <a:endParaRPr lang="en-US" dirty="0"/>
@@ -1134,11 +1134,11 @@
           <a:lstStyle/>
           <a:p>
             <a:r>
-              <a:rPr lang="en-US" dirty="0" smtClean="0"/>
+              <a:rPr lang="en-US" dirty="0"/>
               <a:t>Students will write</a:t>
             </a:r>
             <a:r>
-              <a:rPr lang="en-US" baseline="0" dirty="0" smtClean="0"/>
+              <a:rPr lang="en-US" baseline="0" dirty="0"/>
               <a:t> code similar to this in the next lab to submit images uploaded to a Web site to the Computer Vision API in order to generate captions and search keywords. This example is written in C# for Microsoft .NET.</a:t>
             </a:r>
             <a:endParaRPr lang="en-US" dirty="0"/>
@@ -1243,14 +1243,14 @@
               <a:defRPr/>
             </a:pPr>
             <a:r>
-              <a:rPr lang="en-US" dirty="0" smtClean="0"/>
+              <a:rPr lang="en-US" dirty="0"/>
               <a:t>Students will write</a:t>
             </a:r>
             <a:r>
-              <a:rPr lang="en-US" baseline="0" dirty="0" smtClean="0"/>
+              <a:rPr lang="en-US" baseline="0" dirty="0"/>
               <a:t> code similar to this in the next lab to submit images uploaded to a Web site to the Computer Vision API in order to generate captions and search keywords. This example is written in JavaScript for Node.js.</a:t>
             </a:r>
-            <a:endParaRPr lang="en-US" dirty="0" smtClean="0"/>
+            <a:endParaRPr lang="en-US" dirty="0"/>
           </a:p>
           <a:p>
             <a:endParaRPr lang="en-US" dirty="0"/>
@@ -1284,6 +1284,90 @@
     <p:extLst>
       <p:ext uri="{BB962C8B-B14F-4D97-AF65-F5344CB8AC3E}">
         <p14:creationId xmlns:p14="http://schemas.microsoft.com/office/powerpoint/2010/main" val="2609303518"/>
+      </p:ext>
+    </p:extLst>
+  </p:cSld>
+  <p:clrMapOvr>
+    <a:masterClrMapping/>
+  </p:clrMapOvr>
+</p:notes>
+</file>
+
+<file path=ppt/notesSlides/notesSlide17.xml><?xml version="1.0" encoding="utf-8"?>
+<p:notes xmlns:a="http://schemas.openxmlformats.org/drawingml/2006/main" xmlns:r="http://schemas.openxmlformats.org/officeDocument/2006/relationships" xmlns:p="http://schemas.openxmlformats.org/presentationml/2006/main">
+  <p:cSld>
+    <p:spTree>
+      <p:nvGrpSpPr>
+        <p:cNvPr id="1" name=""/>
+        <p:cNvGrpSpPr/>
+        <p:nvPr/>
+      </p:nvGrpSpPr>
+      <p:grpSpPr>
+        <a:xfrm>
+          <a:off x="0" y="0"/>
+          <a:ext cx="0" cy="0"/>
+          <a:chOff x="0" y="0"/>
+          <a:chExt cx="0" cy="0"/>
+        </a:xfrm>
+      </p:grpSpPr>
+      <p:sp>
+        <p:nvSpPr>
+          <p:cNvPr id="2" name="Slide Image Placeholder 1"/>
+          <p:cNvSpPr>
+            <a:spLocks noGrp="1" noRot="1" noChangeAspect="1"/>
+          </p:cNvSpPr>
+          <p:nvPr>
+            <p:ph type="sldImg"/>
+          </p:nvPr>
+        </p:nvSpPr>
+        <p:spPr/>
+      </p:sp>
+      <p:sp>
+        <p:nvSpPr>
+          <p:cNvPr id="3" name="Notes Placeholder 2"/>
+          <p:cNvSpPr>
+            <a:spLocks noGrp="1"/>
+          </p:cNvSpPr>
+          <p:nvPr>
+            <p:ph type="body" idx="1"/>
+          </p:nvPr>
+        </p:nvSpPr>
+        <p:spPr/>
+        <p:txBody>
+          <a:bodyPr/>
+          <a:lstStyle/>
+          <a:p>
+            <a:endParaRPr lang="en-ZA" dirty="0"/>
+          </a:p>
+        </p:txBody>
+      </p:sp>
+      <p:sp>
+        <p:nvSpPr>
+          <p:cNvPr id="4" name="Slide Number Placeholder 3"/>
+          <p:cNvSpPr>
+            <a:spLocks noGrp="1"/>
+          </p:cNvSpPr>
+          <p:nvPr>
+            <p:ph type="sldNum" sz="quarter" idx="10"/>
+          </p:nvPr>
+        </p:nvSpPr>
+        <p:spPr/>
+        <p:txBody>
+          <a:bodyPr/>
+          <a:lstStyle/>
+          <a:p>
+            <a:fld id="{01283FAC-A721-45A3-BBDE-EAF2B09B7CD9}" type="slidenum">
+              <a:rPr lang="en-US" smtClean="0"/>
+              <a:t>23</a:t>
+            </a:fld>
+            <a:endParaRPr lang="en-US"/>
+          </a:p>
+        </p:txBody>
+      </p:sp>
+    </p:spTree>
+    <p:extLst>
+      <p:ext uri="{BB962C8B-B14F-4D97-AF65-F5344CB8AC3E}">
+        <p14:creationId xmlns:p14="http://schemas.microsoft.com/office/powerpoint/2010/main" val="2266228945"/>
       </p:ext>
     </p:extLst>
   </p:cSld>
@@ -1338,7 +1422,7 @@
           <a:lstStyle/>
           <a:p>
             <a:r>
-              <a:rPr lang="en-US" sz="1200" b="0" i="0" kern="1200" dirty="0" smtClean="0">
+              <a:rPr lang="en-US" sz="1200" b="0" i="0" kern="1200" dirty="0">
                 <a:solidFill>
                   <a:schemeClr val="tx1"/>
                 </a:solidFill>
@@ -1350,7 +1434,7 @@
               <a:t>Microsoft Azure Storage is a set of services that allows you to store large volumes of data in a cost-effective manner and in a way that makes the data readily and reliably available to services and applications that consume it. Data committed to Azure Storage can be stored in blobs, tables, queues, or files. </a:t>
             </a:r>
             <a:r>
-              <a:rPr lang="en-US" sz="1200" b="0" i="0" u="none" strike="noStrike" kern="1200" dirty="0" smtClean="0">
+              <a:rPr lang="en-US" sz="1200" b="0" i="0" u="none" strike="noStrike" kern="1200" dirty="0">
                 <a:solidFill>
                   <a:schemeClr val="tx1"/>
                 </a:solidFill>
@@ -1363,7 +1447,7 @@
               <a:t>Azure blobs</a:t>
             </a:r>
             <a:r>
-              <a:rPr lang="en-US" sz="1200" b="0" i="0" kern="1200" dirty="0" smtClean="0">
+              <a:rPr lang="en-US" sz="1200" b="0" i="0" kern="1200" dirty="0">
                 <a:solidFill>
                   <a:schemeClr val="tx1"/>
                 </a:solidFill>
@@ -1375,7 +1459,7 @@
               <a:t> are ideal for storing images, videos, and other types of data, and are frequently used to provide input to and capture output from other Azure services such as </a:t>
             </a:r>
             <a:r>
-              <a:rPr lang="en-US" sz="1200" b="0" i="0" u="none" strike="noStrike" kern="1200" dirty="0" smtClean="0">
+              <a:rPr lang="en-US" sz="1200" b="0" i="0" u="none" strike="noStrike" kern="1200" dirty="0">
                 <a:solidFill>
                   <a:schemeClr val="tx1"/>
                 </a:solidFill>
@@ -1388,7 +1472,7 @@
               <a:t>Azure Stream Analytics</a:t>
             </a:r>
             <a:r>
-              <a:rPr lang="en-US" sz="1200" b="0" i="0" kern="1200" dirty="0" smtClean="0">
+              <a:rPr lang="en-US" sz="1200" b="0" i="0" kern="1200" dirty="0">
                 <a:solidFill>
                   <a:schemeClr val="tx1"/>
                 </a:solidFill>
@@ -1400,7 +1484,7 @@
               <a:t>. </a:t>
             </a:r>
             <a:r>
-              <a:rPr lang="en-US" sz="1200" b="0" i="0" u="none" strike="noStrike" kern="1200" dirty="0" smtClean="0">
+              <a:rPr lang="en-US" sz="1200" b="0" i="0" u="none" strike="noStrike" kern="1200" dirty="0">
                 <a:solidFill>
                   <a:schemeClr val="tx1"/>
                 </a:solidFill>
@@ -1413,7 +1497,7 @@
               <a:t>Azure tables</a:t>
             </a:r>
             <a:r>
-              <a:rPr lang="en-US" sz="1200" b="0" i="0" kern="1200" dirty="0" smtClean="0">
+              <a:rPr lang="en-US" sz="1200" b="0" i="0" kern="1200" dirty="0">
                 <a:solidFill>
                   <a:schemeClr val="tx1"/>
                 </a:solidFill>
@@ -1425,7 +1509,7 @@
               <a:t> provide NoSQL storage for semi-structured data. </a:t>
             </a:r>
             <a:r>
-              <a:rPr lang="en-US" sz="1200" b="0" i="0" u="none" strike="noStrike" kern="1200" dirty="0" smtClean="0">
+              <a:rPr lang="en-US" sz="1200" b="0" i="0" u="none" strike="noStrike" kern="1200" dirty="0">
                 <a:solidFill>
                   <a:schemeClr val="tx1"/>
                 </a:solidFill>
@@ -1438,7 +1522,7 @@
               <a:t>Azure </a:t>
             </a:r>
             <a:r>
-              <a:rPr lang="en-US" sz="1200" b="0" i="0" u="none" strike="noStrike" kern="1200" dirty="0" err="1" smtClean="0">
+              <a:rPr lang="en-US" sz="1200" b="0" i="0" u="none" strike="noStrike" kern="1200" dirty="0" err="1">
                 <a:solidFill>
                   <a:schemeClr val="tx1"/>
                 </a:solidFill>
@@ -1451,7 +1535,7 @@
               <a:t>queues</a:t>
             </a:r>
             <a:r>
-              <a:rPr lang="en-US" sz="1200" b="0" i="0" kern="1200" dirty="0" err="1" smtClean="0">
+              <a:rPr lang="en-US" sz="1200" b="0" i="0" kern="1200" dirty="0" err="1">
                 <a:solidFill>
                   <a:schemeClr val="tx1"/>
                 </a:solidFill>
@@ -1463,7 +1547,7 @@
               <a:t>support</a:t>
             </a:r>
             <a:r>
-              <a:rPr lang="en-US" sz="1200" b="0" i="0" kern="1200" dirty="0" smtClean="0">
+              <a:rPr lang="en-US" sz="1200" b="0" i="0" kern="1200" dirty="0">
                 <a:solidFill>
                   <a:schemeClr val="tx1"/>
                 </a:solidFill>
@@ -1475,7 +1559,7 @@
               <a:t> queued message transfers between applications (or parts of applications) and can be used to make applications more scalable and robust by loosely coupling them together. Finally, </a:t>
             </a:r>
             <a:r>
-              <a:rPr lang="en-US" sz="1200" b="0" i="0" u="none" strike="noStrike" kern="1200" dirty="0" smtClean="0">
+              <a:rPr lang="en-US" sz="1200" b="0" i="0" u="none" strike="noStrike" kern="1200" dirty="0">
                 <a:solidFill>
                   <a:schemeClr val="tx1"/>
                 </a:solidFill>
@@ -1488,7 +1572,7 @@
               <a:t>Azure Files</a:t>
             </a:r>
             <a:r>
-              <a:rPr lang="en-US" sz="1200" b="0" i="0" kern="1200" dirty="0" smtClean="0">
+              <a:rPr lang="en-US" sz="1200" b="0" i="0" kern="1200" dirty="0">
                 <a:solidFill>
                   <a:schemeClr val="tx1"/>
                 </a:solidFill>
@@ -1501,7 +1585,7 @@
             </a:r>
           </a:p>
           <a:p>
-            <a:endParaRPr lang="en-US" sz="1200" b="0" i="0" kern="1200" dirty="0" smtClean="0">
+            <a:endParaRPr lang="en-US" sz="1200" b="0" i="0" kern="1200" dirty="0">
               <a:solidFill>
                 <a:schemeClr val="tx1"/>
               </a:solidFill>
@@ -1513,7 +1597,7 @@
           </a:p>
           <a:p>
             <a:r>
-              <a:rPr lang="en-US" sz="1200" b="0" i="0" kern="1200" dirty="0" smtClean="0">
+              <a:rPr lang="en-US" sz="1200" b="0" i="0" kern="1200" dirty="0">
                 <a:solidFill>
                   <a:schemeClr val="tx1"/>
                 </a:solidFill>
@@ -1525,7 +1609,7 @@
               <a:t>Data stored in Microsoft Azure Storage can be accessed over HTTP or HTTPS using straightforward REST APIs, or it can be accessed using rich client libraries available for many popular languages and platforms, including .NET, Java, Android, Node.js, PHP, Ruby, and Python. The </a:t>
             </a:r>
             <a:r>
-              <a:rPr lang="en-US" sz="1200" b="0" i="0" u="none" strike="noStrike" kern="1200" dirty="0" smtClean="0">
+              <a:rPr lang="en-US" sz="1200" b="0" i="0" u="none" strike="noStrike" kern="1200" dirty="0">
                 <a:solidFill>
                   <a:schemeClr val="tx1"/>
                 </a:solidFill>
@@ -1538,7 +1622,7 @@
               <a:t>Azure Portal</a:t>
             </a:r>
             <a:r>
-              <a:rPr lang="en-US" sz="1200" b="0" i="0" kern="1200" dirty="0" smtClean="0">
+              <a:rPr lang="en-US" sz="1200" b="0" i="0" kern="1200" dirty="0">
                 <a:solidFill>
                   <a:schemeClr val="tx1"/>
                 </a:solidFill>
@@ -1636,11 +1720,11 @@
           <a:lstStyle/>
           <a:p>
             <a:r>
-              <a:rPr lang="en-US" dirty="0" smtClean="0"/>
+              <a:rPr lang="en-US" dirty="0"/>
               <a:t>Storage begins with a storage account, which can be created in the Azure Portal. Before you can create a blob, you must create a container to store it in. Think of containers as folders in a file system and blobs as the files themselves. Storage accounts must be uniquely named and conform</a:t>
             </a:r>
             <a:r>
-              <a:rPr lang="en-US" baseline="0" dirty="0" smtClean="0"/>
+              <a:rPr lang="en-US" baseline="0" dirty="0"/>
               <a:t> to a rather severe set of restrictions since storage names are used to form DNS names.</a:t>
             </a:r>
             <a:endParaRPr lang="en-US" dirty="0"/>
@@ -1728,11 +1812,11 @@
           <a:lstStyle/>
           <a:p>
             <a:r>
-              <a:rPr lang="en-US" dirty="0" smtClean="0"/>
+              <a:rPr lang="en-US" dirty="0"/>
               <a:t>Once created, a blob can be referenced by URL. The URL is formed from the storage-account name, container name, and blob name. This doesn't mean all blobs are public; they're private</a:t>
             </a:r>
             <a:r>
-              <a:rPr lang="en-US" baseline="0" dirty="0" smtClean="0"/>
+              <a:rPr lang="en-US" baseline="0" dirty="0"/>
               <a:t> by default. But they can be made public, and public blobs can be downloaded simply by typing their URLs into a browser.</a:t>
             </a:r>
             <a:endParaRPr lang="en-US" dirty="0"/>
@@ -1820,34 +1904,34 @@
           <a:lstStyle/>
           <a:p>
             <a:r>
-              <a:rPr lang="en-US" dirty="0" smtClean="0"/>
+              <a:rPr lang="en-US" dirty="0"/>
               <a:t>Locally redundant storage (LRS) maintains three copies of your data. LRS is replicated three times within a single facility in a single region. LRS protects your data from normal hardware failures, but not from the failure of a single facility. </a:t>
             </a:r>
           </a:p>
           <a:p>
-            <a:endParaRPr lang="en-US" b="1" dirty="0" smtClean="0"/>
-          </a:p>
-          <a:p>
-            <a:r>
-              <a:rPr lang="en-US" dirty="0" smtClean="0"/>
+            <a:endParaRPr lang="en-US" b="1" dirty="0"/>
+          </a:p>
+          <a:p>
+            <a:r>
+              <a:rPr lang="en-US" dirty="0"/>
               <a:t>Zone-redundant storage (ZRS) maintains three copies of your data. ZRS is replicated three times across two to three facilities, either within a single region or across two regions, providing higher durability than LRS. ZRS ensures that your data is durable within a single region. </a:t>
             </a:r>
           </a:p>
           <a:p>
-            <a:endParaRPr lang="en-US" dirty="0" smtClean="0"/>
-          </a:p>
-          <a:p>
-            <a:r>
-              <a:rPr lang="en-US" dirty="0" smtClean="0"/>
+            <a:endParaRPr lang="en-US" dirty="0"/>
+          </a:p>
+          <a:p>
+            <a:r>
+              <a:rPr lang="en-US" dirty="0"/>
               <a:t>Geo-redundant storage (GRS) is enabled for your storage account by default when you create it. GRS maintains six copies of your data. With GRS, your data is replicated three times within the primary region, and is also replicated three times in a secondary region hundreds of miles away from the primary region, providing the highest level of durability. In the event of a failure at the primary region, Azure Storage will failover to the secondary region. GRS ensures that your data is durable in two separate regions.</a:t>
             </a:r>
           </a:p>
           <a:p>
-            <a:endParaRPr lang="en-US" dirty="0" smtClean="0"/>
-          </a:p>
-          <a:p>
-            <a:r>
-              <a:rPr lang="en-US" dirty="0" smtClean="0"/>
+            <a:endParaRPr lang="en-US" dirty="0"/>
+          </a:p>
+          <a:p>
+            <a:r>
+              <a:rPr lang="en-US" dirty="0"/>
               <a:t>Read access geo-redundant storage (RA-GRS) replicates your data to a secondary geographic location, and also provides read access to your data in the secondary location. Read-access geo-redundant storage allows you to access your data from either the primary or the secondary location, in the event that one location becomes unavailable.</a:t>
             </a:r>
           </a:p>
@@ -1954,18 +2038,18 @@
               <a:defRPr/>
             </a:pPr>
             <a:r>
-              <a:rPr lang="en-US" dirty="0" smtClean="0"/>
+              <a:rPr lang="en-US" dirty="0"/>
               <a:t>Access keys should </a:t>
             </a:r>
             <a:r>
-              <a:rPr lang="en-US" u="sng" dirty="0" smtClean="0"/>
+              <a:rPr lang="en-US" u="sng" dirty="0"/>
               <a:t>never</a:t>
             </a:r>
             <a:r>
-              <a:rPr lang="en-US" baseline="0" dirty="0" smtClean="0"/>
+              <a:rPr lang="en-US" baseline="0" dirty="0"/>
               <a:t> be handed out to other people because they provide unrestricted access to a storage account. (They're useful for connecting other services that you create to your storage accounts, in which case they stay in Azure and are never divulged to the outside world.) SAS tokens are safer because they can be time-limited and set to provide read-only access. The best way to generate a SAS token is with Microsoft's cross-platform Azure Storage Explorer. For a real-world example of what happens when you fail to protect a storage account's access keys, see http://www.pcworld.com/article/2365602/hacker-puts-full-redundancy-codehosting-firm-out-of-business.html.</a:t>
             </a:r>
-            <a:endParaRPr lang="en-US" dirty="0" smtClean="0"/>
+            <a:endParaRPr lang="en-US" dirty="0"/>
           </a:p>
         </p:txBody>
       </p:sp>
@@ -2050,11 +2134,11 @@
           <a:lstStyle/>
           <a:p>
             <a:r>
-              <a:rPr lang="en-US" dirty="0" smtClean="0"/>
+              <a:rPr lang="en-US" dirty="0"/>
               <a:t>This</a:t>
             </a:r>
             <a:r>
-              <a:rPr lang="en-US" baseline="0" dirty="0" smtClean="0"/>
+              <a:rPr lang="en-US" baseline="0" dirty="0"/>
               <a:t> example shows how a SAS included in a query string can be used to provide access to an otherwise private blob. Could someone modify the query string to extend the lifetime of the SAS? They could try, but the SAS is digitally signed, so Azure will reject a modified SAS.</a:t>
             </a:r>
             <a:endParaRPr lang="en-US" dirty="0"/>
@@ -2142,11 +2226,11 @@
           <a:lstStyle/>
           <a:p>
             <a:r>
-              <a:rPr lang="en-US" dirty="0" smtClean="0"/>
+              <a:rPr lang="en-US" dirty="0"/>
               <a:t>Containers are private by default, which means only the storage-account owner (or someone who has an</a:t>
             </a:r>
             <a:r>
-              <a:rPr lang="en-US" baseline="0" dirty="0" smtClean="0"/>
+              <a:rPr lang="en-US" baseline="0" dirty="0"/>
               <a:t> access key for the storage account or a valid SAS) can access its contents. However, setting the container's access policy to "Public Container" or "Public Blob" makes the container's blobs public. The difference between "Public Container" and "Public Blob" is that the latter allows the blobs in the container to be enumerated, while the latter does not.</a:t>
             </a:r>
             <a:endParaRPr lang="en-US" dirty="0"/>
@@ -2234,11 +2318,11 @@
           <a:lstStyle/>
           <a:p>
             <a:r>
-              <a:rPr lang="en-US" dirty="0" smtClean="0"/>
+              <a:rPr lang="en-US" dirty="0"/>
               <a:t>Most blobs are block blobs. Page blobs are for VHDs and are used for VMs created in Azure. Most tools that let you create blobs --</a:t>
             </a:r>
             <a:r>
-              <a:rPr lang="en-US" baseline="0" dirty="0" smtClean="0"/>
+              <a:rPr lang="en-US" baseline="0" dirty="0"/>
               <a:t> for example, the Microsoft Azure Storage Explorer -- let you specify the blob type. APIs for creating blobs also let you specify the blob type.</a:t>
             </a:r>
             <a:endParaRPr lang="en-US" dirty="0"/>
@@ -2428,7 +2512,7 @@
           <a:p>
             <a:fld id="{0459C166-16D3-4A25-A2F8-C51E0E346B22}" type="datetimeFigureOut">
               <a:rPr lang="en-US" smtClean="0"/>
-              <a:t>2/5/2017</a:t>
+              <a:t>7/9/2018</a:t>
             </a:fld>
             <a:endParaRPr lang="en-US"/>
           </a:p>
@@ -2523,7 +2607,7 @@
           <a:p>
             <a:fld id="{0459C166-16D3-4A25-A2F8-C51E0E346B22}" type="datetimeFigureOut">
               <a:rPr lang="en-US" smtClean="0"/>
-              <a:t>2/5/2017</a:t>
+              <a:t>7/9/2018</a:t>
             </a:fld>
             <a:endParaRPr lang="en-US"/>
           </a:p>
@@ -2798,7 +2882,7 @@
           <a:p>
             <a:fld id="{0459C166-16D3-4A25-A2F8-C51E0E346B22}" type="datetimeFigureOut">
               <a:rPr lang="en-US" smtClean="0"/>
-              <a:t>2/5/2017</a:t>
+              <a:t>7/9/2018</a:t>
             </a:fld>
             <a:endParaRPr lang="en-US"/>
           </a:p>
@@ -3050,7 +3134,7 @@
           <a:p>
             <a:fld id="{0459C166-16D3-4A25-A2F8-C51E0E346B22}" type="datetimeFigureOut">
               <a:rPr lang="en-US" smtClean="0"/>
-              <a:t>2/5/2017</a:t>
+              <a:t>7/9/2018</a:t>
             </a:fld>
             <a:endParaRPr lang="en-US"/>
           </a:p>
@@ -3218,7 +3302,7 @@
           <a:p>
             <a:fld id="{0459C166-16D3-4A25-A2F8-C51E0E346B22}" type="datetimeFigureOut">
               <a:rPr lang="en-US" smtClean="0"/>
-              <a:t>2/5/2017</a:t>
+              <a:t>7/9/2018</a:t>
             </a:fld>
             <a:endParaRPr lang="en-US"/>
           </a:p>
@@ -3396,7 +3480,7 @@
           <a:p>
             <a:fld id="{0459C166-16D3-4A25-A2F8-C51E0E346B22}" type="datetimeFigureOut">
               <a:rPr lang="en-US" smtClean="0"/>
-              <a:t>2/5/2017</a:t>
+              <a:t>7/9/2018</a:t>
             </a:fld>
             <a:endParaRPr lang="en-US"/>
           </a:p>
@@ -3525,10 +3609,9 @@
           </a:lstStyle>
           <a:p>
             <a:r>
-              <a:rPr lang="en-US" dirty="0" smtClean="0"/>
+              <a:rPr lang="en-US" dirty="0"/>
               <a:t>Title Here</a:t>
             </a:r>
-            <a:endParaRPr lang="en-US" dirty="0"/>
           </a:p>
         </p:txBody>
       </p:sp>
@@ -3587,21 +3670,21 @@
           <a:p>
             <a:pPr lvl="0"/>
             <a:r>
-              <a:rPr lang="en-US" dirty="0" smtClean="0"/>
+              <a:rPr lang="en-US" dirty="0"/>
               <a:t>Name</a:t>
             </a:r>
           </a:p>
           <a:p>
             <a:pPr lvl="0"/>
             <a:r>
-              <a:rPr lang="en-US" dirty="0" smtClean="0"/>
+              <a:rPr lang="en-US" dirty="0"/>
               <a:t>Title</a:t>
             </a:r>
           </a:p>
           <a:p>
             <a:pPr lvl="0"/>
             <a:r>
-              <a:rPr lang="en-US" dirty="0" smtClean="0"/>
+              <a:rPr lang="en-US" dirty="0"/>
               <a:t>Microsoft Corporation</a:t>
             </a:r>
           </a:p>
@@ -3650,13 +3733,6 @@
   <p:transition>
     <p:fade/>
   </p:transition>
-  <p:timing>
-    <p:tnLst>
-      <p:par>
-        <p:cTn id="1" dur="indefinite" restart="never" nodeType="tmRoot"/>
-      </p:par>
-    </p:tnLst>
-  </p:timing>
 </p:sldLayout>
 </file>
 
@@ -3693,7 +3769,7 @@
           <a:lstStyle/>
           <a:p>
             <a:r>
-              <a:rPr lang="en-US" smtClean="0"/>
+              <a:rPr lang="en-US"/>
               <a:t>Click to edit Master title style</a:t>
             </a:r>
             <a:endParaRPr lang="en-US" dirty="0"/>
@@ -3727,35 +3803,35 @@
           <a:p>
             <a:pPr lvl="0"/>
             <a:r>
-              <a:rPr lang="en-US" smtClean="0"/>
+              <a:rPr lang="en-US"/>
               <a:t>Click to edit Master text styles</a:t>
             </a:r>
           </a:p>
           <a:p>
             <a:pPr lvl="1"/>
             <a:r>
-              <a:rPr lang="en-US" smtClean="0"/>
+              <a:rPr lang="en-US"/>
               <a:t>Second level</a:t>
             </a:r>
           </a:p>
           <a:p>
             <a:pPr lvl="2"/>
             <a:r>
-              <a:rPr lang="en-US" smtClean="0"/>
+              <a:rPr lang="en-US"/>
               <a:t>Third level</a:t>
             </a:r>
           </a:p>
           <a:p>
             <a:pPr lvl="3"/>
             <a:r>
-              <a:rPr lang="en-US" smtClean="0"/>
+              <a:rPr lang="en-US"/>
               <a:t>Fourth level</a:t>
             </a:r>
           </a:p>
           <a:p>
             <a:pPr lvl="4"/>
             <a:r>
-              <a:rPr lang="en-US" smtClean="0"/>
+              <a:rPr lang="en-US"/>
               <a:t>Fifth level</a:t>
             </a:r>
             <a:endParaRPr lang="en-US" dirty="0"/>
@@ -3884,7 +3960,7 @@
           </a:lstStyle>
           <a:p>
             <a:r>
-              <a:rPr lang="en-US" smtClean="0"/>
+              <a:rPr lang="en-US"/>
               <a:t>Click to edit Master title style</a:t>
             </a:r>
             <a:endParaRPr lang="en-US" dirty="0"/>
@@ -4054,7 +4130,7 @@
               <a:buChar char="•"/>
             </a:pPr>
             <a:r>
-              <a:rPr lang="en-US" smtClean="0"/>
+              <a:rPr lang="en-US"/>
               <a:t>Click to edit Master text styles</a:t>
             </a:r>
           </a:p>
@@ -4071,7 +4147,7 @@
               <a:buChar char="•"/>
             </a:pPr>
             <a:r>
-              <a:rPr lang="en-US" smtClean="0"/>
+              <a:rPr lang="en-US"/>
               <a:t>Second level</a:t>
             </a:r>
           </a:p>
@@ -4088,7 +4164,7 @@
               <a:buChar char="•"/>
             </a:pPr>
             <a:r>
-              <a:rPr lang="en-US" smtClean="0"/>
+              <a:rPr lang="en-US"/>
               <a:t>Third level</a:t>
             </a:r>
           </a:p>
@@ -4105,7 +4181,7 @@
               <a:buChar char="•"/>
             </a:pPr>
             <a:r>
-              <a:rPr lang="en-US" smtClean="0"/>
+              <a:rPr lang="en-US"/>
               <a:t>Fourth level</a:t>
             </a:r>
           </a:p>
@@ -4122,10 +4198,10 @@
               <a:buChar char="•"/>
             </a:pPr>
             <a:r>
-              <a:rPr lang="en-US" smtClean="0"/>
+              <a:rPr lang="en-US"/>
               <a:t>Fifth level</a:t>
             </a:r>
-            <a:endParaRPr lang="en-US" dirty="0" smtClean="0"/>
+            <a:endParaRPr lang="en-US" dirty="0"/>
           </a:p>
         </p:txBody>
       </p:sp>
@@ -4224,7 +4300,7 @@
           </a:lstStyle>
           <a:p>
             <a:r>
-              <a:rPr lang="en-US" smtClean="0"/>
+              <a:rPr lang="en-US"/>
               <a:t>Click to edit Master title style</a:t>
             </a:r>
             <a:endParaRPr lang="en-US" dirty="0"/>
@@ -4311,35 +4387,35 @@
           <a:p>
             <a:pPr lvl="0"/>
             <a:r>
-              <a:rPr lang="en-US" smtClean="0"/>
+              <a:rPr lang="en-US"/>
               <a:t>Click to edit Master text styles</a:t>
             </a:r>
           </a:p>
           <a:p>
             <a:pPr lvl="1"/>
             <a:r>
-              <a:rPr lang="en-US" smtClean="0"/>
+              <a:rPr lang="en-US"/>
               <a:t>Second level</a:t>
             </a:r>
           </a:p>
           <a:p>
             <a:pPr lvl="2"/>
             <a:r>
-              <a:rPr lang="en-US" smtClean="0"/>
+              <a:rPr lang="en-US"/>
               <a:t>Third level</a:t>
             </a:r>
           </a:p>
           <a:p>
             <a:pPr lvl="3"/>
             <a:r>
-              <a:rPr lang="en-US" smtClean="0"/>
+              <a:rPr lang="en-US"/>
               <a:t>Fourth level</a:t>
             </a:r>
           </a:p>
           <a:p>
             <a:pPr lvl="4"/>
             <a:r>
-              <a:rPr lang="en-US" smtClean="0"/>
+              <a:rPr lang="en-US"/>
               <a:t>Fifth level</a:t>
             </a:r>
             <a:endParaRPr lang="en-US" dirty="0"/>
@@ -4511,7 +4587,7 @@
               <a:buChar char="•"/>
             </a:pPr>
             <a:r>
-              <a:rPr lang="en-US" smtClean="0"/>
+              <a:rPr lang="en-US"/>
               <a:t>Click to edit Master text styles</a:t>
             </a:r>
           </a:p>
@@ -4528,7 +4604,7 @@
               <a:buChar char="•"/>
             </a:pPr>
             <a:r>
-              <a:rPr lang="en-US" smtClean="0"/>
+              <a:rPr lang="en-US"/>
               <a:t>Second level</a:t>
             </a:r>
           </a:p>
@@ -4545,7 +4621,7 @@
               <a:buChar char="•"/>
             </a:pPr>
             <a:r>
-              <a:rPr lang="en-US" smtClean="0"/>
+              <a:rPr lang="en-US"/>
               <a:t>Third level</a:t>
             </a:r>
           </a:p>
@@ -4562,7 +4638,7 @@
               <a:buChar char="•"/>
             </a:pPr>
             <a:r>
-              <a:rPr lang="en-US" smtClean="0"/>
+              <a:rPr lang="en-US"/>
               <a:t>Fourth level</a:t>
             </a:r>
           </a:p>
@@ -4579,7 +4655,7 @@
               <a:buChar char="•"/>
             </a:pPr>
             <a:r>
-              <a:rPr lang="en-US" smtClean="0"/>
+              <a:rPr lang="en-US"/>
               <a:t>Fifth level</a:t>
             </a:r>
             <a:endParaRPr lang="en-US" dirty="0"/>
@@ -4636,13 +4712,6 @@
   <p:transition>
     <p:fade/>
   </p:transition>
-  <p:timing>
-    <p:tnLst>
-      <p:par>
-        <p:cTn id="1" dur="indefinite" restart="never" nodeType="tmRoot"/>
-      </p:par>
-    </p:tnLst>
-  </p:timing>
 </p:sldLayout>
 </file>
 
@@ -4688,7 +4757,7 @@
           </a:lstStyle>
           <a:p>
             <a:r>
-              <a:rPr lang="en-US" smtClean="0"/>
+              <a:rPr lang="en-US"/>
               <a:t>Click to edit Master title style</a:t>
             </a:r>
             <a:endParaRPr lang="en-US" dirty="0"/>
@@ -4762,7 +4831,7 @@
           <a:p>
             <a:pPr lvl="0"/>
             <a:r>
-              <a:rPr lang="en-US" smtClean="0"/>
+              <a:rPr lang="en-US"/>
               <a:t>Click to edit Master text styles</a:t>
             </a:r>
           </a:p>
@@ -4833,35 +4902,35 @@
           <a:p>
             <a:pPr lvl="0"/>
             <a:r>
-              <a:rPr lang="en-US" smtClean="0"/>
+              <a:rPr lang="en-US"/>
               <a:t>Click to edit Master text styles</a:t>
             </a:r>
           </a:p>
           <a:p>
             <a:pPr lvl="1"/>
             <a:r>
-              <a:rPr lang="en-US" smtClean="0"/>
+              <a:rPr lang="en-US"/>
               <a:t>Second level</a:t>
             </a:r>
           </a:p>
           <a:p>
             <a:pPr lvl="2"/>
             <a:r>
-              <a:rPr lang="en-US" smtClean="0"/>
+              <a:rPr lang="en-US"/>
               <a:t>Third level</a:t>
             </a:r>
           </a:p>
           <a:p>
             <a:pPr lvl="3"/>
             <a:r>
-              <a:rPr lang="en-US" smtClean="0"/>
+              <a:rPr lang="en-US"/>
               <a:t>Fourth level</a:t>
             </a:r>
           </a:p>
           <a:p>
             <a:pPr lvl="4"/>
             <a:r>
-              <a:rPr lang="en-US" smtClean="0"/>
+              <a:rPr lang="en-US"/>
               <a:t>Fifth level</a:t>
             </a:r>
             <a:endParaRPr lang="en-US" dirty="0"/>
@@ -4935,7 +5004,7 @@
           <a:p>
             <a:pPr lvl="0"/>
             <a:r>
-              <a:rPr lang="en-US" smtClean="0"/>
+              <a:rPr lang="en-US"/>
               <a:t>Click to edit Master text styles</a:t>
             </a:r>
           </a:p>
@@ -5089,7 +5158,7 @@
               <a:buSzPct val="80000"/>
             </a:pPr>
             <a:r>
-              <a:rPr lang="en-US" smtClean="0"/>
+              <a:rPr lang="en-US"/>
               <a:t>Click to edit Master text styles</a:t>
             </a:r>
           </a:p>
@@ -5104,7 +5173,7 @@
               <a:buSzPct val="80000"/>
             </a:pPr>
             <a:r>
-              <a:rPr lang="en-US" smtClean="0"/>
+              <a:rPr lang="en-US"/>
               <a:t>Second level</a:t>
             </a:r>
           </a:p>
@@ -5119,7 +5188,7 @@
               <a:buSzPct val="80000"/>
             </a:pPr>
             <a:r>
-              <a:rPr lang="en-US" smtClean="0"/>
+              <a:rPr lang="en-US"/>
               <a:t>Third level</a:t>
             </a:r>
           </a:p>
@@ -5134,7 +5203,7 @@
               <a:buSzPct val="80000"/>
             </a:pPr>
             <a:r>
-              <a:rPr lang="en-US" smtClean="0"/>
+              <a:rPr lang="en-US"/>
               <a:t>Fourth level</a:t>
             </a:r>
           </a:p>
@@ -5149,7 +5218,7 @@
               <a:buSzPct val="80000"/>
             </a:pPr>
             <a:r>
-              <a:rPr lang="en-US" smtClean="0"/>
+              <a:rPr lang="en-US"/>
               <a:t>Fifth level</a:t>
             </a:r>
             <a:endParaRPr lang="en-US" dirty="0"/>
@@ -5206,13 +5275,6 @@
   <p:transition>
     <p:fade/>
   </p:transition>
-  <p:timing>
-    <p:tnLst>
-      <p:par>
-        <p:cTn id="1" dur="indefinite" restart="never" nodeType="tmRoot"/>
-      </p:par>
-    </p:tnLst>
-  </p:timing>
 </p:sldLayout>
 </file>
 
@@ -5323,7 +5385,7 @@
           <a:p>
             <a:fld id="{0459C166-16D3-4A25-A2F8-C51E0E346B22}" type="datetimeFigureOut">
               <a:rPr lang="en-US" smtClean="0"/>
-              <a:t>2/5/2017</a:t>
+              <a:t>7/9/2018</a:t>
             </a:fld>
             <a:endParaRPr lang="en-US"/>
           </a:p>
@@ -5426,7 +5488,7 @@
           </a:lstStyle>
           <a:p>
             <a:r>
-              <a:rPr lang="en-US" smtClean="0"/>
+              <a:rPr lang="en-US"/>
               <a:t>Click to edit Master title style</a:t>
             </a:r>
             <a:endParaRPr lang="en-US" dirty="0"/>
@@ -5483,13 +5545,6 @@
   <p:transition>
     <p:fade/>
   </p:transition>
-  <p:timing>
-    <p:tnLst>
-      <p:par>
-        <p:cTn id="1" dur="indefinite" restart="never" nodeType="tmRoot"/>
-      </p:par>
-    </p:tnLst>
-  </p:timing>
 </p:sldLayout>
 </file>
 
@@ -5560,13 +5615,6 @@
   <p:transition>
     <p:fade/>
   </p:transition>
-  <p:timing>
-    <p:tnLst>
-      <p:par>
-        <p:cTn id="1" dur="indefinite" restart="never" nodeType="tmRoot"/>
-      </p:par>
-    </p:tnLst>
-  </p:timing>
 </p:sldLayout>
 </file>
 
@@ -5600,13 +5648,6 @@
   <p:transition>
     <p:fade/>
   </p:transition>
-  <p:timing>
-    <p:tnLst>
-      <p:par>
-        <p:cTn id="1" dur="indefinite" restart="never" nodeType="tmRoot"/>
-      </p:par>
-    </p:tnLst>
-  </p:timing>
 </p:sldLayout>
 </file>
 
@@ -5754,7 +5795,7 @@
           </a:lstStyle>
           <a:p>
             <a:r>
-              <a:rPr lang="en-US" smtClean="0"/>
+              <a:rPr lang="en-US"/>
               <a:t>Click to edit Master title style</a:t>
             </a:r>
             <a:endParaRPr lang="en-US" dirty="0"/>
@@ -5835,7 +5876,7 @@
               <a:buSzPct val="80000"/>
             </a:pPr>
             <a:r>
-              <a:rPr lang="en-US" smtClean="0"/>
+              <a:rPr lang="en-US"/>
               <a:t>Click to edit Master text styles</a:t>
             </a:r>
           </a:p>
@@ -5853,7 +5894,7 @@
               <a:buSzPct val="80000"/>
             </a:pPr>
             <a:r>
-              <a:rPr lang="en-US" smtClean="0"/>
+              <a:rPr lang="en-US"/>
               <a:t>Second level</a:t>
             </a:r>
           </a:p>
@@ -6267,7 +6308,7 @@
           </a:lstStyle>
           <a:p>
             <a:r>
-              <a:rPr lang="en-US" smtClean="0"/>
+              <a:rPr lang="en-US"/>
               <a:t>Click to edit Master title style</a:t>
             </a:r>
             <a:endParaRPr lang="en-US" dirty="0"/>
@@ -6399,7 +6440,7 @@
           </a:lstStyle>
           <a:p>
             <a:r>
-              <a:rPr lang="en-US" smtClean="0"/>
+              <a:rPr lang="en-US"/>
               <a:t>Click to edit Master subtitle style</a:t>
             </a:r>
             <a:endParaRPr lang="en-US" dirty="0"/>
@@ -6460,7 +6501,7 @@
           <a:p>
             <a:pPr lvl="0"/>
             <a:r>
-              <a:rPr lang="en-US" dirty="0" smtClean="0"/>
+              <a:rPr lang="en-US" dirty="0"/>
               <a:t>click to…</a:t>
             </a:r>
           </a:p>
@@ -6822,13 +6863,6 @@
   <p:transition>
     <p:fade/>
   </p:transition>
-  <p:timing>
-    <p:tnLst>
-      <p:par>
-        <p:cTn id="1" dur="indefinite" restart="never" nodeType="tmRoot"/>
-      </p:par>
-    </p:tnLst>
-  </p:timing>
 </p:sldLayout>
 </file>
 
@@ -6895,7 +6929,7 @@
           </a:lstStyle>
           <a:p>
             <a:r>
-              <a:rPr lang="en-US" smtClean="0"/>
+              <a:rPr lang="en-US"/>
               <a:t>Click to edit Master title style</a:t>
             </a:r>
             <a:endParaRPr lang="en-US" dirty="0"/>
@@ -7027,7 +7061,7 @@
           </a:lstStyle>
           <a:p>
             <a:r>
-              <a:rPr lang="en-US" smtClean="0"/>
+              <a:rPr lang="en-US"/>
               <a:t>Click to edit Master subtitle style</a:t>
             </a:r>
             <a:endParaRPr lang="en-US" dirty="0"/>
@@ -7088,7 +7122,7 @@
           <a:p>
             <a:pPr lvl="0"/>
             <a:r>
-              <a:rPr lang="en-US" dirty="0" smtClean="0"/>
+              <a:rPr lang="en-US" dirty="0"/>
               <a:t>click to…</a:t>
             </a:r>
           </a:p>
@@ -7415,13 +7449,6 @@
   <p:transition>
     <p:fade/>
   </p:transition>
-  <p:timing>
-    <p:tnLst>
-      <p:par>
-        <p:cTn id="1" dur="indefinite" restart="never" nodeType="tmRoot"/>
-      </p:par>
-    </p:tnLst>
-  </p:timing>
 </p:sldLayout>
 </file>
 
@@ -7488,7 +7515,7 @@
           </a:lstStyle>
           <a:p>
             <a:r>
-              <a:rPr lang="en-US" smtClean="0"/>
+              <a:rPr lang="en-US"/>
               <a:t>Click to edit Master title style</a:t>
             </a:r>
             <a:endParaRPr lang="en-US" dirty="0"/>
@@ -7620,7 +7647,7 @@
           </a:lstStyle>
           <a:p>
             <a:r>
-              <a:rPr lang="en-US" smtClean="0"/>
+              <a:rPr lang="en-US"/>
               <a:t>Click to edit Master subtitle style</a:t>
             </a:r>
             <a:endParaRPr lang="en-US" dirty="0"/>
@@ -7681,7 +7708,7 @@
           <a:p>
             <a:pPr lvl="0"/>
             <a:r>
-              <a:rPr lang="en-US" dirty="0" smtClean="0"/>
+              <a:rPr lang="en-US" dirty="0"/>
               <a:t>click to…</a:t>
             </a:r>
           </a:p>
@@ -9023,13 +9050,6 @@
   <p:transition>
     <p:fade/>
   </p:transition>
-  <p:timing>
-    <p:tnLst>
-      <p:par>
-        <p:cTn id="1" dur="indefinite" restart="never" nodeType="tmRoot"/>
-      </p:par>
-    </p:tnLst>
-  </p:timing>
 </p:sldLayout>
 </file>
 
@@ -9096,7 +9116,7 @@
           </a:lstStyle>
           <a:p>
             <a:r>
-              <a:rPr lang="en-US" smtClean="0"/>
+              <a:rPr lang="en-US"/>
               <a:t>Click to edit Master title style</a:t>
             </a:r>
             <a:endParaRPr lang="en-US" dirty="0"/>
@@ -9228,7 +9248,7 @@
           </a:lstStyle>
           <a:p>
             <a:r>
-              <a:rPr lang="en-US" smtClean="0"/>
+              <a:rPr lang="en-US"/>
               <a:t>Click to edit Master subtitle style</a:t>
             </a:r>
             <a:endParaRPr lang="en-US" dirty="0"/>
@@ -9285,7 +9305,7 @@
           <a:p>
             <a:pPr lvl="0"/>
             <a:r>
-              <a:rPr lang="en-US" dirty="0" smtClean="0"/>
+              <a:rPr lang="en-US" dirty="0"/>
               <a:t>click to…</a:t>
             </a:r>
           </a:p>
@@ -9659,13 +9679,6 @@
   <p:transition>
     <p:fade/>
   </p:transition>
-  <p:timing>
-    <p:tnLst>
-      <p:par>
-        <p:cTn id="1" dur="indefinite" restart="never" nodeType="tmRoot"/>
-      </p:par>
-    </p:tnLst>
-  </p:timing>
 </p:sldLayout>
 </file>
 
@@ -9732,7 +9745,7 @@
           </a:lstStyle>
           <a:p>
             <a:r>
-              <a:rPr lang="en-US" smtClean="0"/>
+              <a:rPr lang="en-US"/>
               <a:t>Click to edit Master title style</a:t>
             </a:r>
             <a:endParaRPr lang="en-US" dirty="0"/>
@@ -9864,7 +9877,7 @@
           </a:lstStyle>
           <a:p>
             <a:r>
-              <a:rPr lang="en-US" smtClean="0"/>
+              <a:rPr lang="en-US"/>
               <a:t>Click to edit Master subtitle style</a:t>
             </a:r>
             <a:endParaRPr lang="en-US" dirty="0"/>
@@ -9925,7 +9938,7 @@
           <a:p>
             <a:pPr lvl="0"/>
             <a:r>
-              <a:rPr lang="en-US" dirty="0" smtClean="0"/>
+              <a:rPr lang="en-US" dirty="0"/>
               <a:t>click to…</a:t>
             </a:r>
           </a:p>
@@ -10591,13 +10604,6 @@
   <p:transition>
     <p:fade/>
   </p:transition>
-  <p:timing>
-    <p:tnLst>
-      <p:par>
-        <p:cTn id="1" dur="indefinite" restart="never" nodeType="tmRoot"/>
-      </p:par>
-    </p:tnLst>
-  </p:timing>
 </p:sldLayout>
 </file>
 
@@ -10686,7 +10692,7 @@
           <a:p>
             <a:pPr lvl="0"/>
             <a:r>
-              <a:rPr lang="en-US" smtClean="0"/>
+              <a:rPr lang="en-US"/>
               <a:t>Click to edit Master text styles</a:t>
             </a:r>
           </a:p>
@@ -10735,13 +10741,6 @@
   <p:transition>
     <p:fade/>
   </p:transition>
-  <p:timing>
-    <p:tnLst>
-      <p:par>
-        <p:cTn id="1" dur="indefinite" restart="never" nodeType="tmRoot"/>
-      </p:par>
-    </p:tnLst>
-  </p:timing>
 </p:sldLayout>
 </file>
 
@@ -10950,7 +10949,7 @@
             <a:fld id="{0459C166-16D3-4A25-A2F8-C51E0E346B22}" type="datetimeFigureOut">
               <a:rPr lang="en-US" smtClean="0"/>
               <a:pPr/>
-              <a:t>2/5/2017</a:t>
+              <a:t>7/9/2018</a:t>
             </a:fld>
             <a:endParaRPr lang="en-US"/>
           </a:p>
@@ -12570,27 +12569,10 @@
                 </a:gradFill>
                 <a:cs typeface="Segoe UI" pitchFamily="34" charset="0"/>
               </a:rPr>
-              <a:t>© </a:t>
-            </a:r>
-            <a:r>
-              <a:rPr lang="en-US" sz="700" dirty="0" smtClean="0">
-                <a:gradFill>
-                  <a:gsLst>
-                    <a:gs pos="0">
-                      <a:srgbClr val="292929"/>
-                    </a:gs>
-                    <a:gs pos="100000">
-                      <a:srgbClr val="292929"/>
-                    </a:gs>
-                  </a:gsLst>
-                  <a:lin ang="5400000" scaled="0"/>
-                </a:gradFill>
-                <a:cs typeface="Segoe UI" pitchFamily="34" charset="0"/>
-              </a:rPr>
-              <a:t>201</a:t>
-            </a:r>
-            <a:r>
-              <a:rPr lang="en-US" altLang="zh-CN" sz="700" dirty="0" smtClean="0">
+              <a:t>© 201</a:t>
+            </a:r>
+            <a:r>
+              <a:rPr lang="en-US" altLang="zh-CN" sz="700" dirty="0">
                 <a:gradFill>
                   <a:gsLst>
                     <a:gs pos="0">
@@ -12607,23 +12589,6 @@
               <a:t>6</a:t>
             </a:r>
             <a:r>
-              <a:rPr lang="en-US" sz="700" dirty="0" smtClean="0">
-                <a:gradFill>
-                  <a:gsLst>
-                    <a:gs pos="0">
-                      <a:srgbClr val="292929"/>
-                    </a:gs>
-                    <a:gs pos="100000">
-                      <a:srgbClr val="292929"/>
-                    </a:gs>
-                  </a:gsLst>
-                  <a:lin ang="5400000" scaled="0"/>
-                </a:gradFill>
-                <a:cs typeface="Segoe UI" pitchFamily="34" charset="0"/>
-              </a:rPr>
-              <a:t> </a:t>
-            </a:r>
-            <a:r>
               <a:rPr lang="en-US" sz="700" dirty="0">
                 <a:gradFill>
                   <a:gsLst>
@@ -12638,7 +12603,7 @@
                 </a:gradFill>
                 <a:cs typeface="Segoe UI" pitchFamily="34" charset="0"/>
               </a:rPr>
-              <a:t>Microsoft Corporation. All rights reserved. Microsoft, Windows, Windows Vista and other product names are or may be registered trademarks and/or trademarks in the U.S. and/or other countries.</a:t>
+              <a:t> Microsoft Corporation. All rights reserved. Microsoft, Windows, Windows Vista and other product names are or may be registered trademarks and/or trademarks in the U.S. and/or other countries.</a:t>
             </a:r>
           </a:p>
           <a:p>
@@ -12676,13 +12641,6 @@
   <p:transition>
     <p:fade/>
   </p:transition>
-  <p:timing>
-    <p:tnLst>
-      <p:par>
-        <p:cTn id="1" dur="indefinite" restart="never" nodeType="tmRoot"/>
-      </p:par>
-    </p:tnLst>
-  </p:timing>
 </p:sldLayout>
 </file>
 
@@ -12743,7 +12701,7 @@
           </a:lstStyle>
           <a:p>
             <a:r>
-              <a:rPr lang="en-US" smtClean="0"/>
+              <a:rPr lang="en-US"/>
               <a:t>Click to edit Master title style</a:t>
             </a:r>
             <a:endParaRPr lang="en-US" dirty="0"/>
@@ -12888,35 +12846,35 @@
           <a:p>
             <a:pPr lvl="0"/>
             <a:r>
-              <a:rPr lang="en-US" smtClean="0"/>
+              <a:rPr lang="en-US"/>
               <a:t>Click to edit Master text styles</a:t>
             </a:r>
           </a:p>
           <a:p>
             <a:pPr lvl="1"/>
             <a:r>
-              <a:rPr lang="en-US" smtClean="0"/>
+              <a:rPr lang="en-US"/>
               <a:t>Second level</a:t>
             </a:r>
           </a:p>
           <a:p>
             <a:pPr lvl="2"/>
             <a:r>
-              <a:rPr lang="en-US" smtClean="0"/>
+              <a:rPr lang="en-US"/>
               <a:t>Third level</a:t>
             </a:r>
           </a:p>
           <a:p>
             <a:pPr lvl="3"/>
             <a:r>
-              <a:rPr lang="en-US" smtClean="0"/>
+              <a:rPr lang="en-US"/>
               <a:t>Fourth level</a:t>
             </a:r>
           </a:p>
           <a:p>
             <a:pPr lvl="4"/>
             <a:r>
-              <a:rPr lang="en-US" smtClean="0"/>
+              <a:rPr lang="en-US"/>
               <a:t>Fifth level</a:t>
             </a:r>
             <a:endParaRPr lang="en-US" dirty="0"/>
@@ -12936,13 +12894,6 @@
   <p:transition>
     <p:fade/>
   </p:transition>
-  <p:timing>
-    <p:tnLst>
-      <p:par>
-        <p:cTn id="1" dur="indefinite" restart="never" nodeType="tmRoot"/>
-      </p:par>
-    </p:tnLst>
-  </p:timing>
 </p:sldLayout>
 </file>
 
@@ -13003,7 +12954,7 @@
           </a:lstStyle>
           <a:p>
             <a:r>
-              <a:rPr lang="en-US" smtClean="0"/>
+              <a:rPr lang="en-US"/>
               <a:t>Click to edit Master title style</a:t>
             </a:r>
             <a:endParaRPr lang="en-US" dirty="0"/>
@@ -13148,35 +13099,35 @@
           <a:p>
             <a:pPr lvl="0"/>
             <a:r>
-              <a:rPr lang="en-US" smtClean="0"/>
+              <a:rPr lang="en-US"/>
               <a:t>Click to edit Master text styles</a:t>
             </a:r>
           </a:p>
           <a:p>
             <a:pPr lvl="1"/>
             <a:r>
-              <a:rPr lang="en-US" smtClean="0"/>
+              <a:rPr lang="en-US"/>
               <a:t>Second level</a:t>
             </a:r>
           </a:p>
           <a:p>
             <a:pPr lvl="2"/>
             <a:r>
-              <a:rPr lang="en-US" smtClean="0"/>
+              <a:rPr lang="en-US"/>
               <a:t>Third level</a:t>
             </a:r>
           </a:p>
           <a:p>
             <a:pPr lvl="3"/>
             <a:r>
-              <a:rPr lang="en-US" smtClean="0"/>
+              <a:rPr lang="en-US"/>
               <a:t>Fourth level</a:t>
             </a:r>
           </a:p>
           <a:p>
             <a:pPr lvl="4"/>
             <a:r>
-              <a:rPr lang="en-US" smtClean="0"/>
+              <a:rPr lang="en-US"/>
               <a:t>Fifth level</a:t>
             </a:r>
             <a:endParaRPr lang="en-US" dirty="0"/>
@@ -13230,7 +13181,7 @@
           <a:p>
             <a:pPr lvl="0"/>
             <a:r>
-              <a:rPr lang="en-US" smtClean="0"/>
+              <a:rPr lang="en-US"/>
               <a:t>Click to edit Master text styles</a:t>
             </a:r>
           </a:p>
@@ -13249,13 +13200,6 @@
   <p:transition>
     <p:fade/>
   </p:transition>
-  <p:timing>
-    <p:tnLst>
-      <p:par>
-        <p:cTn id="1" dur="indefinite" restart="never" nodeType="tmRoot"/>
-      </p:par>
-    </p:tnLst>
-  </p:timing>
 </p:sldLayout>
 </file>
 
@@ -13315,7 +13259,7 @@
           </a:lstStyle>
           <a:p>
             <a:r>
-              <a:rPr lang="en-US" smtClean="0"/>
+              <a:rPr lang="en-US"/>
               <a:t>Click to edit Master title style</a:t>
             </a:r>
             <a:endParaRPr lang="en-US" dirty="0"/>
@@ -13423,35 +13367,35 @@
           <a:p>
             <a:pPr lvl="0"/>
             <a:r>
-              <a:rPr lang="en-US" smtClean="0"/>
+              <a:rPr lang="en-US"/>
               <a:t>Click to edit Master text styles</a:t>
             </a:r>
           </a:p>
           <a:p>
             <a:pPr lvl="1"/>
             <a:r>
-              <a:rPr lang="en-US" smtClean="0"/>
+              <a:rPr lang="en-US"/>
               <a:t>Second level</a:t>
             </a:r>
           </a:p>
           <a:p>
             <a:pPr lvl="2"/>
             <a:r>
-              <a:rPr lang="en-US" smtClean="0"/>
+              <a:rPr lang="en-US"/>
               <a:t>Third level</a:t>
             </a:r>
           </a:p>
           <a:p>
             <a:pPr lvl="3"/>
             <a:r>
-              <a:rPr lang="en-US" smtClean="0"/>
+              <a:rPr lang="en-US"/>
               <a:t>Fourth level</a:t>
             </a:r>
           </a:p>
           <a:p>
             <a:pPr lvl="4"/>
             <a:r>
-              <a:rPr lang="en-US" smtClean="0"/>
+              <a:rPr lang="en-US"/>
               <a:t>Fifth level</a:t>
             </a:r>
             <a:endParaRPr lang="en-US" dirty="0"/>
@@ -13471,13 +13415,6 @@
   <p:transition>
     <p:fade/>
   </p:transition>
-  <p:timing>
-    <p:tnLst>
-      <p:par>
-        <p:cTn id="1" dur="indefinite" restart="never" nodeType="tmRoot"/>
-      </p:par>
-    </p:tnLst>
-  </p:timing>
 </p:sldLayout>
 </file>
 
@@ -13531,10 +13468,9 @@
           </a:lstStyle>
           <a:p>
             <a:r>
-              <a:rPr lang="en-US" dirty="0" smtClean="0"/>
+              <a:rPr lang="en-US" dirty="0"/>
               <a:t>Click to edit title style</a:t>
             </a:r>
-            <a:endParaRPr lang="en-US" dirty="0"/>
           </a:p>
         </p:txBody>
       </p:sp>
@@ -13583,10 +13519,9 @@
           <a:p>
             <a:pPr lvl="0"/>
             <a:r>
-              <a:rPr lang="en-US" dirty="0" smtClean="0"/>
+              <a:rPr lang="en-US" dirty="0"/>
               <a:t>Speaker Title</a:t>
             </a:r>
-            <a:endParaRPr lang="en-US" dirty="0"/>
           </a:p>
         </p:txBody>
       </p:sp>
@@ -13612,13 +13547,6 @@
       </p:transition>
     </mc:Fallback>
   </mc:AlternateContent>
-  <p:timing>
-    <p:tnLst>
-      <p:par>
-        <p:cTn id="1" dur="indefinite" restart="never" nodeType="tmRoot"/>
-      </p:par>
-    </p:tnLst>
-  </p:timing>
 </p:sldLayout>
 </file>
 
@@ -13655,10 +13583,9 @@
           <a:lstStyle/>
           <a:p>
             <a:r>
-              <a:rPr lang="en-US" smtClean="0"/>
+              <a:rPr lang="en-US"/>
               <a:t>Click to edit Master title style</a:t>
             </a:r>
-            <a:endParaRPr lang="en-US"/>
           </a:p>
         </p:txBody>
       </p:sp>
@@ -13715,22 +13642,13 @@
           <a:lstStyle/>
           <a:p>
             <a:r>
-              <a:rPr lang="en-US" sz="4000" dirty="0" smtClean="0">
-                <a:solidFill>
-                  <a:srgbClr val="FFFFFF"/>
-                </a:solidFill>
-                <a:latin typeface="Segoe UI Light" panose="020B0502040204020203" pitchFamily="34" charset="0"/>
-              </a:rPr>
-              <a:t>Microsoft Azure </a:t>
-            </a:r>
-            <a:r>
               <a:rPr lang="en-US" sz="4000" dirty="0">
                 <a:solidFill>
                   <a:srgbClr val="FFFFFF"/>
                 </a:solidFill>
                 <a:latin typeface="Segoe UI Light" panose="020B0502040204020203" pitchFamily="34" charset="0"/>
               </a:rPr>
-              <a:t>for Research </a:t>
+              <a:t>Microsoft Azure for Research </a:t>
             </a:r>
           </a:p>
           <a:p>
@@ -13787,7 +13705,7 @@
           <a:lstStyle/>
           <a:p>
             <a:r>
-              <a:rPr lang="en-US" altLang="zh-CN" sz="2000" kern="1800" baseline="30000" dirty="0" smtClean="0">
+              <a:rPr lang="en-US" altLang="zh-CN" sz="2000" kern="1800" baseline="30000" dirty="0">
                 <a:solidFill>
                   <a:srgbClr val="FFFFFF"/>
                 </a:solidFill>
@@ -13797,16 +13715,6 @@
               <a:t>Microsoft A</a:t>
             </a:r>
             <a:r>
-              <a:rPr lang="en-US" sz="2000" kern="1800" baseline="30000" dirty="0" smtClean="0">
-                <a:solidFill>
-                  <a:srgbClr val="FFFFFF"/>
-                </a:solidFill>
-                <a:ea typeface="Segoe UI" panose="020B0502040204020203" pitchFamily="34" charset="0"/>
-                <a:cs typeface="Segoe UI" panose="020B0502040204020203" pitchFamily="34" charset="0"/>
-              </a:rPr>
-              <a:t>zure </a:t>
-            </a:r>
-            <a:r>
               <a:rPr lang="en-US" sz="2000" kern="1800" baseline="30000" dirty="0">
                 <a:solidFill>
                   <a:srgbClr val="FFFFFF"/>
@@ -13814,7 +13722,7 @@
                 <a:ea typeface="Segoe UI" panose="020B0502040204020203" pitchFamily="34" charset="0"/>
                 <a:cs typeface="Segoe UI" panose="020B0502040204020203" pitchFamily="34" charset="0"/>
               </a:rPr>
-              <a:t>provides researchers with the power and scalability of cloud computing for collaboration, computation, and data-intensive processing. This open and flexible global cloud platform supports any language, tool, or framework. </a:t>
+              <a:t>zure provides researchers with the power and scalability of cloud computing for collaboration, computation, and data-intensive processing. This open and flexible global cloud platform supports any language, tool, or framework. </a:t>
             </a:r>
             <a:r>
               <a:rPr lang="en-US" kern="1800" baseline="30000" dirty="0">
@@ -13867,25 +13775,7 @@
                 </a:solidFill>
                 <a:latin typeface="Segoe UI Semibold" panose="020B0702040204020203" pitchFamily="34" charset="0"/>
               </a:rPr>
-              <a:t>The </a:t>
-            </a:r>
-            <a:r>
-              <a:rPr lang="en-US" sz="3200" baseline="30000" dirty="0" smtClean="0">
-                <a:solidFill>
-                  <a:srgbClr val="C60651"/>
-                </a:solidFill>
-                <a:latin typeface="Segoe UI Semibold" panose="020B0702040204020203" pitchFamily="34" charset="0"/>
-              </a:rPr>
-              <a:t>Microsoft Azure </a:t>
-            </a:r>
-            <a:r>
-              <a:rPr lang="en-US" sz="3200" baseline="30000" dirty="0">
-                <a:solidFill>
-                  <a:srgbClr val="C60651"/>
-                </a:solidFill>
-                <a:latin typeface="Segoe UI Semibold" panose="020B0702040204020203" pitchFamily="34" charset="0"/>
-              </a:rPr>
-              <a:t>for Research program:</a:t>
+              <a:t>The Microsoft Azure for Research program:</a:t>
             </a:r>
             <a:endParaRPr lang="en-US" sz="3200" baseline="30000" dirty="0">
               <a:solidFill>
@@ -13940,23 +13830,7 @@
                   <a:srgbClr val="717073"/>
                 </a:solidFill>
               </a:rPr>
-              <a:t>Free access to </a:t>
-            </a:r>
-            <a:r>
-              <a:rPr lang="en-US" sz="2000" baseline="30000" dirty="0" smtClean="0">
-                <a:solidFill>
-                  <a:srgbClr val="717073"/>
-                </a:solidFill>
-              </a:rPr>
-              <a:t>Microsoft </a:t>
-            </a:r>
-            <a:r>
-              <a:rPr lang="en-US" sz="2000" baseline="30000" dirty="0">
-                <a:solidFill>
-                  <a:srgbClr val="717073"/>
-                </a:solidFill>
-              </a:rPr>
-              <a:t>Azure cloud computing and storage  </a:t>
+              <a:t>Free access to Microsoft Azure cloud computing and storage  </a:t>
             </a:r>
             <a:r>
               <a:rPr lang="en-US" sz="2000" dirty="0">
@@ -13982,7 +13856,7 @@
               <a:t>   (submit proposals for </a:t>
             </a:r>
             <a:r>
-              <a:rPr lang="en-US" altLang="zh-CN" sz="2000" baseline="30000" dirty="0" smtClean="0">
+              <a:rPr lang="en-US" altLang="zh-CN" sz="2000" baseline="30000" dirty="0">
                 <a:solidFill>
                   <a:srgbClr val="717073"/>
                 </a:solidFill>
@@ -13990,20 +13864,12 @@
               <a:t>Microsoft </a:t>
             </a:r>
             <a:r>
-              <a:rPr lang="en-US" sz="2000" baseline="30000" dirty="0" smtClean="0">
-                <a:solidFill>
-                  <a:srgbClr val="717073"/>
-                </a:solidFill>
-              </a:rPr>
-              <a:t>Azure </a:t>
-            </a:r>
-            <a:r>
               <a:rPr lang="en-US" sz="2000" baseline="30000" dirty="0">
                 <a:solidFill>
                   <a:srgbClr val="717073"/>
                 </a:solidFill>
               </a:rPr>
-              <a:t>Research Awards)</a:t>
+              <a:t>Azure Research Awards)</a:t>
             </a:r>
           </a:p>
           <a:p>
@@ -14024,7 +13890,7 @@
               <a:t>  </a:t>
             </a:r>
             <a:r>
-              <a:rPr lang="en-US" altLang="zh-CN" sz="2000" baseline="30000" dirty="0" smtClean="0">
+              <a:rPr lang="en-US" altLang="zh-CN" sz="2000" baseline="30000" dirty="0">
                 <a:solidFill>
                   <a:srgbClr val="717073"/>
                 </a:solidFill>
@@ -14032,20 +13898,12 @@
               <a:t>Microsoft </a:t>
             </a:r>
             <a:r>
-              <a:rPr lang="en-US" sz="2000" baseline="30000" dirty="0" smtClean="0">
-                <a:solidFill>
-                  <a:srgbClr val="717073"/>
-                </a:solidFill>
-              </a:rPr>
-              <a:t>Azure </a:t>
-            </a:r>
-            <a:r>
               <a:rPr lang="en-US" sz="2000" baseline="30000" dirty="0">
                 <a:solidFill>
                   <a:srgbClr val="717073"/>
                 </a:solidFill>
               </a:rPr>
-              <a:t>for Research training classes </a:t>
+              <a:t>Azure for Research training classes </a:t>
             </a:r>
           </a:p>
           <a:p>
@@ -15012,7 +14870,7 @@
           <a:p>
             <a:fld id="{0459C166-16D3-4A25-A2F8-C51E0E346B22}" type="datetimeFigureOut">
               <a:rPr lang="en-US" smtClean="0"/>
-              <a:t>2/5/2017</a:t>
+              <a:t>7/9/2018</a:t>
             </a:fld>
             <a:endParaRPr lang="en-US"/>
           </a:p>
@@ -15376,7 +15234,7 @@
           <a:p>
             <a:fld id="{0459C166-16D3-4A25-A2F8-C51E0E346B22}" type="datetimeFigureOut">
               <a:rPr lang="en-US" smtClean="0"/>
-              <a:t>2/5/2017</a:t>
+              <a:t>7/9/2018</a:t>
             </a:fld>
             <a:endParaRPr lang="en-US"/>
           </a:p>
@@ -15493,7 +15351,7 @@
           <a:p>
             <a:fld id="{0459C166-16D3-4A25-A2F8-C51E0E346B22}" type="datetimeFigureOut">
               <a:rPr lang="en-US" smtClean="0"/>
-              <a:t>2/5/2017</a:t>
+              <a:t>7/9/2018</a:t>
             </a:fld>
             <a:endParaRPr lang="en-US"/>
           </a:p>
@@ -15704,7 +15562,7 @@
           <a:p>
             <a:fld id="{0459C166-16D3-4A25-A2F8-C51E0E346B22}" type="datetimeFigureOut">
               <a:rPr lang="en-US" smtClean="0"/>
-              <a:t>2/5/2017</a:t>
+              <a:t>7/9/2018</a:t>
             </a:fld>
             <a:endParaRPr lang="en-US"/>
           </a:p>
@@ -16522,7 +16380,7 @@
           <a:lstStyle/>
           <a:p>
             <a:r>
-              <a:rPr lang="en-US" smtClean="0"/>
+              <a:rPr lang="en-US"/>
               <a:t>Click to edit Master title style</a:t>
             </a:r>
             <a:endParaRPr lang="en-US" dirty="0"/>
@@ -16556,35 +16414,35 @@
           <a:p>
             <a:pPr lvl="0"/>
             <a:r>
-              <a:rPr lang="en-US" smtClean="0"/>
+              <a:rPr lang="en-US"/>
               <a:t>Click to edit Master text styles</a:t>
             </a:r>
           </a:p>
           <a:p>
             <a:pPr lvl="1"/>
             <a:r>
-              <a:rPr lang="en-US" smtClean="0"/>
+              <a:rPr lang="en-US"/>
               <a:t>Second level</a:t>
             </a:r>
           </a:p>
           <a:p>
             <a:pPr lvl="2"/>
             <a:r>
-              <a:rPr lang="en-US" smtClean="0"/>
+              <a:rPr lang="en-US"/>
               <a:t>Third level</a:t>
             </a:r>
           </a:p>
           <a:p>
             <a:pPr lvl="3"/>
             <a:r>
-              <a:rPr lang="en-US" smtClean="0"/>
+              <a:rPr lang="en-US"/>
               <a:t>Fourth level</a:t>
             </a:r>
           </a:p>
           <a:p>
             <a:pPr lvl="4"/>
             <a:r>
-              <a:rPr lang="en-US" smtClean="0"/>
+              <a:rPr lang="en-US"/>
               <a:t>Fifth level</a:t>
             </a:r>
             <a:endParaRPr lang="en-US" dirty="0"/>
@@ -16625,13 +16483,6 @@
   <p:transition>
     <p:fade/>
   </p:transition>
-  <p:timing>
-    <p:tnLst>
-      <p:par>
-        <p:cTn id="1" dur="indefinite" restart="never" nodeType="tmRoot"/>
-      </p:par>
-    </p:tnLst>
-  </p:timing>
   <p:txStyles>
     <p:titleStyle>
       <a:lvl1pPr algn="l" defTabSz="914089" rtl="0" eaLnBrk="1" latinLnBrk="0" hangingPunct="1">
@@ -16995,20 +16846,15 @@
           <a:p>
             <a:r>
               <a:rPr lang="en-US" dirty="0"/>
-              <a:t>Azure </a:t>
-            </a:r>
-            <a:r>
-              <a:rPr lang="en-US" dirty="0" smtClean="0"/>
-              <a:t>Storage and</a:t>
+              <a:t>Azure Storage and</a:t>
             </a:r>
             <a:br>
-              <a:rPr lang="en-US" dirty="0" smtClean="0"/>
+              <a:rPr lang="en-US" dirty="0"/>
             </a:br>
             <a:r>
-              <a:rPr lang="en-US" dirty="0" smtClean="0"/>
+              <a:rPr lang="en-US" dirty="0"/>
               <a:t>Cognitive Services</a:t>
             </a:r>
-            <a:endParaRPr lang="en-US" dirty="0"/>
           </a:p>
         </p:txBody>
       </p:sp>
@@ -17024,16 +16870,29 @@
         </p:nvSpPr>
         <p:spPr/>
         <p:txBody>
-          <a:bodyPr/>
+          <a:bodyPr>
+            <a:normAutofit fontScale="77500" lnSpcReduction="20000"/>
+          </a:bodyPr>
           <a:lstStyle/>
           <a:p>
             <a:r>
-              <a:rPr lang="en-US" dirty="0" smtClean="0">
+              <a:rPr lang="en-US" dirty="0">
                 <a:solidFill>
                   <a:srgbClr val="FFFF00"/>
                 </a:solidFill>
               </a:rPr>
-              <a:t>[ Instructor Name ]</a:t>
+              <a:t>Jan-Hendrik Louw</a:t>
+            </a:r>
+          </a:p>
+          <a:p>
+            <a:r>
+              <a:rPr lang="en-US" dirty="0">
+                <a:solidFill>
+                  <a:srgbClr val="FFFF00"/>
+                </a:solidFill>
+                <a:hlinkClick r:id="rId3"/>
+              </a:rPr>
+              <a:t>jalouw@Microsoft.com</a:t>
             </a:r>
             <a:endParaRPr lang="en-US" dirty="0">
               <a:solidFill>
@@ -17042,19 +16901,31 @@
             </a:endParaRPr>
           </a:p>
           <a:p>
-            <a:r>
-              <a:rPr lang="en-US" dirty="0" smtClean="0">
-                <a:solidFill>
-                  <a:srgbClr val="FFFF00"/>
-                </a:solidFill>
-              </a:rPr>
-              <a:t>[ Instructor E-mail ]</a:t>
-            </a:r>
             <a:endParaRPr lang="en-US" dirty="0">
               <a:solidFill>
                 <a:srgbClr val="FFFF00"/>
               </a:solidFill>
             </a:endParaRPr>
+          </a:p>
+          <a:p>
+            <a:r>
+              <a:rPr lang="en-US" dirty="0">
+                <a:solidFill>
+                  <a:srgbClr val="FFFF00"/>
+                </a:solidFill>
+              </a:rPr>
+              <a:t>Nils Woxholt</a:t>
+            </a:r>
+          </a:p>
+          <a:p>
+            <a:r>
+              <a:rPr lang="en-US" dirty="0">
+                <a:solidFill>
+                  <a:srgbClr val="FFFF00"/>
+                </a:solidFill>
+              </a:rPr>
+              <a:t>Nils.Woxholt@microsoft.com</a:t>
+            </a:r>
           </a:p>
         </p:txBody>
       </p:sp>
@@ -17068,13 +16939,6 @@
   <p:clrMapOvr>
     <a:masterClrMapping/>
   </p:clrMapOvr>
-  <p:timing>
-    <p:tnLst>
-      <p:par>
-        <p:cTn id="1" dur="indefinite" restart="never" nodeType="tmRoot"/>
-      </p:par>
-    </p:tnLst>
-  </p:timing>
 </p:sld>
 </file>
 
@@ -17111,10 +16975,9 @@
           <a:lstStyle/>
           <a:p>
             <a:r>
-              <a:rPr lang="en-US" dirty="0" smtClean="0"/>
+              <a:rPr lang="en-US" dirty="0"/>
               <a:t>Azure Storage Explorer</a:t>
             </a:r>
-            <a:endParaRPr lang="en-US" dirty="0"/>
           </a:p>
         </p:txBody>
       </p:sp>
@@ -17141,13 +17004,8 @@
           <a:p>
             <a:r>
               <a:rPr lang="en-US" dirty="0"/>
-              <a:t>http://storageexplorer.com</a:t>
-            </a:r>
-            <a:r>
-              <a:rPr lang="en-US" dirty="0" smtClean="0"/>
-              <a:t>/</a:t>
-            </a:r>
-            <a:endParaRPr lang="en-US" dirty="0"/>
+              <a:t>http://storageexplorer.com/</a:t>
+            </a:r>
           </a:p>
         </p:txBody>
       </p:sp>
@@ -17195,13 +17053,6 @@
   <p:clrMapOvr>
     <a:masterClrMapping/>
   </p:clrMapOvr>
-  <p:timing>
-    <p:tnLst>
-      <p:par>
-        <p:cTn id="1" dur="indefinite" restart="never" nodeType="tmRoot"/>
-      </p:par>
-    </p:tnLst>
-  </p:timing>
 </p:sld>
 </file>
 
@@ -17238,10 +17089,9 @@
           <a:lstStyle/>
           <a:p>
             <a:r>
-              <a:rPr lang="en-US" dirty="0" smtClean="0"/>
+              <a:rPr lang="en-US" dirty="0"/>
               <a:t>Accessing Blob Storage Programmatically</a:t>
             </a:r>
-            <a:endParaRPr lang="en-US" dirty="0"/>
           </a:p>
         </p:txBody>
       </p:sp>
@@ -17261,20 +17111,20 @@
           <a:lstStyle/>
           <a:p>
             <a:r>
-              <a:rPr lang="en-US" dirty="0" smtClean="0"/>
+              <a:rPr lang="en-US" dirty="0"/>
               <a:t>Blob service can be accessed using REST APIs</a:t>
             </a:r>
           </a:p>
           <a:p>
             <a:pPr lvl="1"/>
             <a:r>
-              <a:rPr lang="en-US" dirty="0" smtClean="0"/>
+              <a:rPr lang="en-US" dirty="0"/>
               <a:t>Accessible to any programming language that supports HTTP(S)</a:t>
             </a:r>
           </a:p>
           <a:p>
             <a:r>
-              <a:rPr lang="en-US" dirty="0" smtClean="0"/>
+              <a:rPr lang="en-US" dirty="0"/>
               <a:t>Blob service can also be accessed using Azure Storage SDKs available for popular languages and platforms</a:t>
             </a:r>
           </a:p>
@@ -17282,25 +17132,24 @@
             <a:endParaRPr lang="en-US" dirty="0"/>
           </a:p>
           <a:p>
-            <a:endParaRPr lang="en-US" dirty="0" smtClean="0"/>
-          </a:p>
-          <a:p>
-            <a:endParaRPr lang="en-US" dirty="0" smtClean="0"/>
-          </a:p>
-          <a:p>
-            <a:r>
-              <a:rPr lang="en-US" dirty="0" smtClean="0"/>
+            <a:endParaRPr lang="en-US" dirty="0"/>
+          </a:p>
+          <a:p>
+            <a:endParaRPr lang="en-US" dirty="0"/>
+          </a:p>
+          <a:p>
+            <a:r>
+              <a:rPr lang="en-US" dirty="0"/>
               <a:t>Also available from </a:t>
             </a:r>
             <a:r>
-              <a:rPr lang="en-US" dirty="0" err="1" smtClean="0"/>
+              <a:rPr lang="en-US" dirty="0" err="1"/>
               <a:t>NuGet</a:t>
             </a:r>
             <a:r>
-              <a:rPr lang="en-US" dirty="0" smtClean="0"/>
+              <a:rPr lang="en-US" dirty="0"/>
               <a:t>, NPM, and other package managers</a:t>
             </a:r>
-            <a:endParaRPr lang="en-US" dirty="0"/>
           </a:p>
         </p:txBody>
       </p:sp>
@@ -17347,7 +17196,7 @@
           <a:p>
             <a:pPr algn="ctr"/>
             <a:r>
-              <a:rPr lang="en-US" dirty="0" smtClean="0">
+              <a:rPr lang="en-US" dirty="0">
                 <a:solidFill>
                   <a:schemeClr val="bg1"/>
                 </a:solidFill>
@@ -17400,7 +17249,7 @@
           <a:p>
             <a:pPr algn="ctr"/>
             <a:r>
-              <a:rPr lang="en-US" dirty="0" smtClean="0">
+              <a:rPr lang="en-US" dirty="0">
                 <a:solidFill>
                   <a:schemeClr val="bg1"/>
                 </a:solidFill>
@@ -17453,7 +17302,7 @@
           <a:p>
             <a:pPr algn="ctr"/>
             <a:r>
-              <a:rPr lang="en-US" dirty="0" smtClean="0">
+              <a:rPr lang="en-US" dirty="0">
                 <a:solidFill>
                   <a:schemeClr val="bg1"/>
                 </a:solidFill>
@@ -17506,7 +17355,7 @@
           <a:p>
             <a:pPr algn="ctr"/>
             <a:r>
-              <a:rPr lang="en-US" dirty="0" smtClean="0">
+              <a:rPr lang="en-US" dirty="0">
                 <a:solidFill>
                   <a:schemeClr val="bg1"/>
                 </a:solidFill>
@@ -17559,7 +17408,7 @@
           <a:p>
             <a:pPr algn="ctr"/>
             <a:r>
-              <a:rPr lang="en-US" dirty="0" smtClean="0">
+              <a:rPr lang="en-US" dirty="0">
                 <a:solidFill>
                   <a:schemeClr val="bg1"/>
                 </a:solidFill>
@@ -17612,7 +17461,7 @@
           <a:p>
             <a:pPr algn="ctr"/>
             <a:r>
-              <a:rPr lang="en-US" dirty="0" smtClean="0">
+              <a:rPr lang="en-US" dirty="0">
                 <a:solidFill>
                   <a:schemeClr val="bg1"/>
                 </a:solidFill>
@@ -17665,7 +17514,7 @@
           <a:p>
             <a:pPr algn="ctr"/>
             <a:r>
-              <a:rPr lang="en-US" dirty="0" smtClean="0">
+              <a:rPr lang="en-US" dirty="0">
                 <a:solidFill>
                   <a:schemeClr val="bg1"/>
                 </a:solidFill>
@@ -17718,7 +17567,7 @@
           <a:p>
             <a:pPr algn="ctr"/>
             <a:r>
-              <a:rPr lang="en-US" dirty="0" smtClean="0">
+              <a:rPr lang="en-US" dirty="0">
                 <a:solidFill>
                   <a:schemeClr val="bg1"/>
                 </a:solidFill>
@@ -17771,14 +17620,14 @@
           <a:p>
             <a:pPr algn="ctr"/>
             <a:r>
-              <a:rPr lang="en-US" dirty="0" err="1" smtClean="0">
+              <a:rPr lang="en-US" dirty="0" err="1">
                 <a:solidFill>
                   <a:schemeClr val="bg1"/>
                 </a:solidFill>
               </a:rPr>
               <a:t>Xamarin</a:t>
             </a:r>
-            <a:endParaRPr lang="en-US" dirty="0" smtClean="0">
+            <a:endParaRPr lang="en-US" dirty="0">
               <a:solidFill>
                 <a:schemeClr val="bg1"/>
               </a:solidFill>
@@ -17834,10 +17683,9 @@
           <a:lstStyle/>
           <a:p>
             <a:r>
-              <a:rPr lang="en-US" dirty="0" smtClean="0"/>
+              <a:rPr lang="en-US" dirty="0"/>
               <a:t>Uploading a Blob (C#)</a:t>
             </a:r>
-            <a:endParaRPr lang="en-US" dirty="0"/>
           </a:p>
         </p:txBody>
       </p:sp>
@@ -17857,19 +17705,19 @@
           <a:lstStyle/>
           <a:p>
             <a:r>
-              <a:rPr lang="en-US" dirty="0" smtClean="0"/>
+              <a:rPr lang="en-US" dirty="0"/>
               <a:t>Create a blob in the specified storage account and specified container using the Azure Storage SDK for .NET</a:t>
             </a:r>
           </a:p>
           <a:p>
             <a:r>
-              <a:rPr lang="en-US" dirty="0" smtClean="0"/>
+              <a:rPr lang="en-US" dirty="0"/>
               <a:t>Upload the contents of a local file to the blob</a:t>
             </a:r>
           </a:p>
           <a:p>
             <a:r>
-              <a:rPr lang="en-US" dirty="0" smtClean="0"/>
+              <a:rPr lang="en-US" dirty="0"/>
               <a:t>Get the connection string for the storage account from the Azure portal</a:t>
             </a:r>
           </a:p>
@@ -17896,39 +17744,30 @@
             </a:r>
             <a:r>
               <a:rPr lang="en-US" dirty="0"/>
-              <a:t> account </a:t>
-            </a:r>
-            <a:r>
-              <a:rPr lang="en-US" dirty="0" smtClean="0"/>
-              <a:t>=</a:t>
+              <a:t> account =</a:t>
             </a:r>
           </a:p>
           <a:p>
             <a:r>
               <a:rPr lang="en-US" dirty="0"/>
-              <a:t> </a:t>
-            </a:r>
-            <a:r>
-              <a:rPr lang="en-US" dirty="0" smtClean="0"/>
-              <a:t>   </a:t>
-            </a:r>
-            <a:r>
-              <a:rPr lang="en-US" dirty="0" err="1" smtClean="0"/>
+              <a:t>    </a:t>
+            </a:r>
+            <a:r>
+              <a:rPr lang="en-US" dirty="0" err="1"/>
               <a:t>CloudStorageAccount.Parse</a:t>
             </a:r>
             <a:r>
-              <a:rPr lang="en-US" dirty="0" smtClean="0"/>
+              <a:rPr lang="en-US" dirty="0"/>
               <a:t>("</a:t>
             </a:r>
             <a:r>
-              <a:rPr lang="en-US" dirty="0" err="1" smtClean="0"/>
+              <a:rPr lang="en-US" dirty="0" err="1"/>
               <a:t>connection_string</a:t>
             </a:r>
             <a:r>
-              <a:rPr lang="en-US" dirty="0" smtClean="0"/>
+              <a:rPr lang="en-US" dirty="0"/>
               <a:t>);</a:t>
             </a:r>
-            <a:endParaRPr lang="en-US" dirty="0"/>
           </a:p>
           <a:p>
             <a:r>
@@ -17955,39 +17794,30 @@
             </a:r>
             <a:r>
               <a:rPr lang="en-US" dirty="0"/>
-              <a:t> container </a:t>
-            </a:r>
-            <a:r>
-              <a:rPr lang="en-US" dirty="0" smtClean="0"/>
-              <a:t>=</a:t>
+              <a:t> container =</a:t>
             </a:r>
           </a:p>
           <a:p>
             <a:r>
               <a:rPr lang="en-US" dirty="0"/>
-              <a:t> </a:t>
-            </a:r>
-            <a:r>
-              <a:rPr lang="en-US" dirty="0" smtClean="0"/>
-              <a:t>   </a:t>
-            </a:r>
-            <a:r>
-              <a:rPr lang="en-US" dirty="0" err="1" smtClean="0"/>
+              <a:t>    </a:t>
+            </a:r>
+            <a:r>
+              <a:rPr lang="en-US" dirty="0" err="1"/>
               <a:t>client.GetContainerReference</a:t>
             </a:r>
             <a:r>
-              <a:rPr lang="en-US" dirty="0" smtClean="0"/>
+              <a:rPr lang="en-US" dirty="0"/>
               <a:t>("</a:t>
             </a:r>
             <a:r>
-              <a:rPr lang="en-US" dirty="0" err="1" smtClean="0"/>
+              <a:rPr lang="en-US" dirty="0" err="1"/>
               <a:t>container_name</a:t>
             </a:r>
             <a:r>
-              <a:rPr lang="en-US" dirty="0" smtClean="0"/>
+              <a:rPr lang="en-US" dirty="0"/>
               <a:t>");</a:t>
             </a:r>
-            <a:endParaRPr lang="en-US" dirty="0"/>
           </a:p>
           <a:p>
             <a:r>
@@ -17996,39 +17826,30 @@
             </a:r>
             <a:r>
               <a:rPr lang="en-US" dirty="0"/>
-              <a:t> </a:t>
-            </a:r>
-            <a:r>
-              <a:rPr lang="en-US" dirty="0" smtClean="0"/>
-              <a:t>blob =</a:t>
+              <a:t> blob =</a:t>
             </a:r>
           </a:p>
           <a:p>
             <a:r>
               <a:rPr lang="en-US" dirty="0"/>
-              <a:t> </a:t>
-            </a:r>
-            <a:r>
-              <a:rPr lang="en-US" dirty="0" smtClean="0"/>
-              <a:t>   </a:t>
-            </a:r>
-            <a:r>
-              <a:rPr lang="en-US" dirty="0" err="1" smtClean="0"/>
+              <a:t>    </a:t>
+            </a:r>
+            <a:r>
+              <a:rPr lang="en-US" dirty="0" err="1"/>
               <a:t>container.GetBlockBlobReference</a:t>
             </a:r>
             <a:r>
-              <a:rPr lang="en-US" dirty="0" smtClean="0"/>
+              <a:rPr lang="en-US" dirty="0"/>
               <a:t>("</a:t>
             </a:r>
             <a:r>
-              <a:rPr lang="en-US" dirty="0" err="1" smtClean="0"/>
+              <a:rPr lang="en-US" dirty="0" err="1"/>
               <a:t>blob_name</a:t>
             </a:r>
             <a:r>
-              <a:rPr lang="en-US" dirty="0" smtClean="0"/>
+              <a:rPr lang="en-US" dirty="0"/>
               <a:t>"));</a:t>
             </a:r>
-            <a:endParaRPr lang="en-US" dirty="0"/>
           </a:p>
           <a:p>
             <a:r>
@@ -18036,19 +17857,19 @@
               <a:t>await </a:t>
             </a:r>
             <a:r>
-              <a:rPr lang="en-US" dirty="0" err="1" smtClean="0"/>
+              <a:rPr lang="en-US" dirty="0" err="1"/>
               <a:t>blob.UploadFromFileAsync</a:t>
             </a:r>
             <a:r>
-              <a:rPr lang="en-US" dirty="0" smtClean="0"/>
+              <a:rPr lang="en-US" dirty="0"/>
               <a:t>("</a:t>
             </a:r>
             <a:r>
-              <a:rPr lang="en-US" dirty="0" err="1" smtClean="0"/>
+              <a:rPr lang="en-US" dirty="0" err="1"/>
               <a:t>file_name</a:t>
             </a:r>
             <a:r>
-              <a:rPr lang="en-US" dirty="0" smtClean="0"/>
+              <a:rPr lang="en-US" dirty="0"/>
               <a:t>");</a:t>
             </a:r>
           </a:p>
@@ -18057,28 +17878,28 @@
           </a:p>
           <a:p>
             <a:r>
-              <a:rPr lang="en-US" dirty="0" smtClean="0"/>
+              <a:rPr lang="en-US" dirty="0"/>
               <a:t>// Or use </a:t>
             </a:r>
             <a:r>
-              <a:rPr lang="en-US" dirty="0" err="1" smtClean="0"/>
+              <a:rPr lang="en-US" dirty="0" err="1"/>
               <a:t>UploadFromStreamAsync</a:t>
             </a:r>
             <a:r>
-              <a:rPr lang="en-US" dirty="0" smtClean="0"/>
+              <a:rPr lang="en-US" dirty="0"/>
               <a:t> or</a:t>
             </a:r>
           </a:p>
           <a:p>
             <a:r>
-              <a:rPr lang="en-US" dirty="0" smtClean="0"/>
+              <a:rPr lang="en-US" dirty="0"/>
               <a:t>// </a:t>
             </a:r>
             <a:r>
-              <a:rPr lang="en-US" dirty="0" err="1" smtClean="0"/>
+              <a:rPr lang="en-US" dirty="0" err="1"/>
               <a:t>UploadFromByteArrayAsync</a:t>
             </a:r>
-            <a:endParaRPr lang="en-US" dirty="0" smtClean="0"/>
+            <a:endParaRPr lang="en-US" dirty="0"/>
           </a:p>
         </p:txBody>
       </p:sp>
@@ -18130,10 +17951,9 @@
           <a:lstStyle/>
           <a:p>
             <a:r>
-              <a:rPr lang="en-US" dirty="0" smtClean="0"/>
+              <a:rPr lang="en-US" dirty="0"/>
               <a:t>Downloading a Blob (Node.js)</a:t>
             </a:r>
-            <a:endParaRPr lang="en-US" dirty="0"/>
           </a:p>
         </p:txBody>
       </p:sp>
@@ -18160,21 +17980,8 @@
           <a:p>
             <a:r>
               <a:rPr lang="en-US" dirty="0"/>
-              <a:t>Download the blob </a:t>
-            </a:r>
-            <a:r>
-              <a:rPr lang="en-US" dirty="0" smtClean="0"/>
-              <a:t>and </a:t>
-            </a:r>
-            <a:r>
-              <a:rPr lang="en-US" dirty="0"/>
-              <a:t>store its contents in a local </a:t>
-            </a:r>
-            <a:r>
-              <a:rPr lang="en-US" dirty="0" smtClean="0"/>
-              <a:t>file</a:t>
-            </a:r>
-            <a:endParaRPr lang="en-US" dirty="0"/>
+              <a:t>Download the blob and store its contents in a local file</a:t>
+            </a:r>
           </a:p>
         </p:txBody>
       </p:sp>
@@ -18230,51 +18037,47 @@
               <a:t>connection_string</a:t>
             </a:r>
             <a:r>
-              <a:rPr lang="en-US" dirty="0" smtClean="0"/>
+              <a:rPr lang="en-US" dirty="0"/>
               <a:t>");</a:t>
             </a:r>
           </a:p>
           <a:p>
             <a:r>
-              <a:rPr lang="en-US" dirty="0" err="1" smtClean="0"/>
+              <a:rPr lang="en-US" dirty="0" err="1"/>
               <a:t>service.getBlobToLocalFile</a:t>
             </a:r>
             <a:r>
-              <a:rPr lang="en-US" dirty="0" smtClean="0"/>
+              <a:rPr lang="en-US" dirty="0"/>
               <a:t>(</a:t>
             </a:r>
           </a:p>
           <a:p>
             <a:r>
               <a:rPr lang="en-US" dirty="0"/>
-              <a:t> </a:t>
-            </a:r>
-            <a:r>
-              <a:rPr lang="en-US" dirty="0" smtClean="0"/>
-              <a:t>   "</a:t>
-            </a:r>
-            <a:r>
-              <a:rPr lang="en-US" dirty="0" err="1" smtClean="0"/>
+              <a:t>    "</a:t>
+            </a:r>
+            <a:r>
+              <a:rPr lang="en-US" dirty="0" err="1"/>
               <a:t>container_name</a:t>
             </a:r>
             <a:r>
-              <a:rPr lang="en-US" dirty="0" smtClean="0"/>
+              <a:rPr lang="en-US" dirty="0"/>
               <a:t>", "</a:t>
             </a:r>
             <a:r>
-              <a:rPr lang="en-US" dirty="0" err="1" smtClean="0"/>
+              <a:rPr lang="en-US" dirty="0" err="1"/>
               <a:t>blob_name</a:t>
             </a:r>
             <a:r>
-              <a:rPr lang="en-US" dirty="0" smtClean="0"/>
+              <a:rPr lang="en-US" dirty="0"/>
               <a:t>", "</a:t>
             </a:r>
             <a:r>
-              <a:rPr lang="en-US" dirty="0" err="1" smtClean="0"/>
+              <a:rPr lang="en-US" dirty="0" err="1"/>
               <a:t>file_name</a:t>
             </a:r>
             <a:r>
-              <a:rPr lang="en-US" dirty="0" smtClean="0"/>
+              <a:rPr lang="en-US" dirty="0"/>
               <a:t>",</a:t>
             </a:r>
           </a:p>
@@ -18293,13 +18096,8 @@
           <a:p>
             <a:r>
               <a:rPr lang="en-US" dirty="0"/>
-              <a:t>        // File </a:t>
-            </a:r>
-            <a:r>
-              <a:rPr lang="en-US" dirty="0" smtClean="0"/>
-              <a:t>downloaded</a:t>
-            </a:r>
-            <a:endParaRPr lang="en-US" dirty="0"/>
+              <a:t>        // File downloaded</a:t>
+            </a:r>
           </a:p>
           <a:p>
             <a:r>
@@ -18309,7 +18107,7 @@
           </a:p>
           <a:p>
             <a:r>
-              <a:rPr lang="en-US" dirty="0" smtClean="0"/>
+              <a:rPr lang="en-US" dirty="0"/>
               <a:t>});</a:t>
             </a:r>
           </a:p>
@@ -18318,33 +18116,33 @@
           </a:p>
           <a:p>
             <a:r>
-              <a:rPr lang="en-US" dirty="0" smtClean="0"/>
+              <a:rPr lang="en-US" dirty="0"/>
               <a:t>// Or use </a:t>
             </a:r>
             <a:r>
-              <a:rPr lang="en-US" dirty="0" err="1" smtClean="0"/>
+              <a:rPr lang="en-US" dirty="0" err="1"/>
               <a:t>getBlobToStream</a:t>
             </a:r>
             <a:r>
-              <a:rPr lang="en-US" dirty="0" smtClean="0"/>
+              <a:rPr lang="en-US" dirty="0"/>
               <a:t>, </a:t>
             </a:r>
             <a:r>
-              <a:rPr lang="en-US" dirty="0" err="1" smtClean="0"/>
+              <a:rPr lang="en-US" dirty="0" err="1"/>
               <a:t>getBlobToTest</a:t>
             </a:r>
             <a:r>
-              <a:rPr lang="en-US" dirty="0" smtClean="0"/>
+              <a:rPr lang="en-US" dirty="0"/>
               <a:t>, or</a:t>
             </a:r>
           </a:p>
           <a:p>
             <a:r>
-              <a:rPr lang="en-US" dirty="0" smtClean="0"/>
+              <a:rPr lang="en-US" dirty="0"/>
               <a:t>// </a:t>
             </a:r>
             <a:r>
-              <a:rPr lang="en-US" dirty="0" err="1" smtClean="0"/>
+              <a:rPr lang="en-US" dirty="0" err="1"/>
               <a:t>createReadStream</a:t>
             </a:r>
             <a:endParaRPr lang="en-US" dirty="0"/>
@@ -18402,10 +18200,9 @@
           <a:lstStyle/>
           <a:p>
             <a:r>
-              <a:rPr lang="en-US" dirty="0" smtClean="0"/>
+              <a:rPr lang="en-US" dirty="0"/>
               <a:t>Enumerating Blobs in a Container (C#)</a:t>
             </a:r>
-            <a:endParaRPr lang="en-US" dirty="0"/>
           </a:p>
         </p:txBody>
       </p:sp>
@@ -18425,43 +18222,43 @@
           <a:lstStyle/>
           <a:p>
             <a:r>
-              <a:rPr lang="en-US" dirty="0" smtClean="0"/>
+              <a:rPr lang="en-US" dirty="0"/>
               <a:t>Enumerate all the block blobs in a specified container in a specified storage account</a:t>
             </a:r>
           </a:p>
           <a:p>
             <a:r>
-              <a:rPr lang="en-US" dirty="0" smtClean="0"/>
+              <a:rPr lang="en-US" dirty="0"/>
               <a:t>Retrieve the name of each blob</a:t>
             </a:r>
           </a:p>
           <a:p>
             <a:r>
-              <a:rPr lang="en-US" dirty="0" err="1" smtClean="0"/>
+              <a:rPr lang="en-US" dirty="0" err="1"/>
               <a:t>IListBlobItem</a:t>
             </a:r>
             <a:r>
-              <a:rPr lang="en-US" dirty="0" smtClean="0"/>
+              <a:rPr lang="en-US" dirty="0"/>
               <a:t> could </a:t>
             </a:r>
             <a:r>
-              <a:rPr lang="en-US" dirty="0" err="1" smtClean="0"/>
+              <a:rPr lang="en-US" dirty="0" err="1"/>
               <a:t>CloudBlockBlob</a:t>
             </a:r>
             <a:r>
-              <a:rPr lang="en-US" dirty="0" smtClean="0"/>
+              <a:rPr lang="en-US" dirty="0"/>
               <a:t>, Cloud-</a:t>
             </a:r>
             <a:r>
-              <a:rPr lang="en-US" dirty="0" err="1" smtClean="0"/>
+              <a:rPr lang="en-US" dirty="0" err="1"/>
               <a:t>PageBlob</a:t>
             </a:r>
             <a:r>
-              <a:rPr lang="en-US" dirty="0" smtClean="0"/>
+              <a:rPr lang="en-US" dirty="0"/>
               <a:t>, or Cloud-</a:t>
             </a:r>
             <a:r>
-              <a:rPr lang="en-US" dirty="0" err="1" smtClean="0"/>
+              <a:rPr lang="en-US" dirty="0" err="1"/>
               <a:t>AppendBlob</a:t>
             </a:r>
             <a:endParaRPr lang="en-US" dirty="0"/>
@@ -18560,7 +18357,7 @@
               <a:t>container_name</a:t>
             </a:r>
             <a:r>
-              <a:rPr lang="en-US" dirty="0" smtClean="0"/>
+              <a:rPr lang="en-US" dirty="0"/>
               <a:t>");</a:t>
             </a:r>
           </a:p>
@@ -18623,55 +18420,41 @@
           </a:p>
           <a:p>
             <a:r>
-              <a:rPr lang="en-US" dirty="0" smtClean="0"/>
-              <a:t>    </a:t>
-            </a:r>
-            <a:r>
               <a:rPr lang="en-US" dirty="0"/>
-              <a:t>if (blob != null)</a:t>
+              <a:t>    if (blob != null)</a:t>
             </a:r>
           </a:p>
           <a:p>
             <a:r>
               <a:rPr lang="en-US" dirty="0"/>
-              <a:t>    </a:t>
-            </a:r>
-            <a:r>
-              <a:rPr lang="en-US" dirty="0" smtClean="0"/>
-              <a:t>{</a:t>
+              <a:t>    {</a:t>
             </a:r>
           </a:p>
           <a:p>
             <a:r>
               <a:rPr lang="en-US" dirty="0"/>
-              <a:t> </a:t>
-            </a:r>
-            <a:r>
-              <a:rPr lang="en-US" dirty="0" smtClean="0"/>
-              <a:t>       string name = </a:t>
-            </a:r>
-            <a:r>
-              <a:rPr lang="en-US" dirty="0" err="1" smtClean="0"/>
+              <a:t>        string name = </a:t>
+            </a:r>
+            <a:r>
+              <a:rPr lang="en-US" dirty="0" err="1"/>
               <a:t>blob.Name</a:t>
             </a:r>
             <a:r>
-              <a:rPr lang="en-US" dirty="0" smtClean="0"/>
+              <a:rPr lang="en-US" dirty="0"/>
               <a:t>;</a:t>
             </a:r>
-            <a:endParaRPr lang="en-US" dirty="0"/>
-          </a:p>
-          <a:p>
-            <a:r>
-              <a:rPr lang="en-US" dirty="0" smtClean="0"/>
+          </a:p>
+          <a:p>
+            <a:r>
+              <a:rPr lang="en-US" dirty="0"/>
               <a:t>    }</a:t>
             </a:r>
           </a:p>
           <a:p>
             <a:r>
-              <a:rPr lang="en-US" dirty="0" smtClean="0"/>
+              <a:rPr lang="en-US" dirty="0"/>
               <a:t>}</a:t>
             </a:r>
-            <a:endParaRPr lang="en-US" dirty="0"/>
           </a:p>
         </p:txBody>
       </p:sp>
@@ -18723,18 +18506,9 @@
           <a:lstStyle/>
           <a:p>
             <a:r>
-              <a:rPr lang="en-US" dirty="0" smtClean="0"/>
-              <a:t>Writing Blob Metadata (</a:t>
-            </a:r>
-            <a:r>
               <a:rPr lang="en-US" dirty="0"/>
-              <a:t>Node.js</a:t>
-            </a:r>
-            <a:r>
-              <a:rPr lang="en-US" dirty="0" smtClean="0"/>
-              <a:t>)</a:t>
-            </a:r>
-            <a:endParaRPr lang="en-US" dirty="0"/>
+              <a:t>Writing Blob Metadata (Node.js)</a:t>
+            </a:r>
           </a:p>
         </p:txBody>
       </p:sp>
@@ -18755,13 +18529,8 @@
           <a:p>
             <a:r>
               <a:rPr lang="en-US" dirty="0"/>
-              <a:t>Add metadata properties named "Property1," "Property2," and "Property3" to a </a:t>
-            </a:r>
-            <a:r>
-              <a:rPr lang="en-US" dirty="0" smtClean="0"/>
-              <a:t>blob</a:t>
-            </a:r>
-            <a:endParaRPr lang="en-US" dirty="0"/>
+              <a:t>Add metadata properties named "Property1," "Property2," and "Property3" to a blob</a:t>
+            </a:r>
           </a:p>
           <a:p>
             <a:endParaRPr lang="en-US" dirty="0"/>
@@ -18827,7 +18596,7 @@
             </a:r>
           </a:p>
           <a:p>
-            <a:endParaRPr lang="en-US" dirty="0" smtClean="0"/>
+            <a:endParaRPr lang="en-US" dirty="0"/>
           </a:p>
           <a:p>
             <a:r>
@@ -18842,128 +18611,85 @@
           <a:p>
             <a:r>
               <a:rPr lang="en-US" dirty="0"/>
-              <a:t>    "Property1", </a:t>
-            </a:r>
-            <a:r>
-              <a:rPr lang="en-US" dirty="0" smtClean="0"/>
-              <a:t>"Value1",</a:t>
-            </a:r>
+              <a:t>    "Property1", "Value1",</a:t>
+            </a:r>
+          </a:p>
+          <a:p>
+            <a:r>
+              <a:rPr lang="en-US" dirty="0"/>
+              <a:t>    "Property1", "Value2",</a:t>
+            </a:r>
+          </a:p>
+          <a:p>
+            <a:r>
+              <a:rPr lang="en-US" dirty="0"/>
+              <a:t>    "Property1", "Value3"</a:t>
+            </a:r>
+          </a:p>
+          <a:p>
+            <a:r>
+              <a:rPr lang="en-US" dirty="0"/>
+              <a:t>};</a:t>
+            </a:r>
+          </a:p>
+          <a:p>
             <a:endParaRPr lang="en-US" dirty="0"/>
           </a:p>
           <a:p>
             <a:r>
-              <a:rPr lang="en-US" dirty="0" smtClean="0"/>
-              <a:t>    </a:t>
+              <a:rPr lang="en-US" dirty="0" err="1"/>
+              <a:t>service.setBlobMetaData</a:t>
             </a:r>
             <a:r>
               <a:rPr lang="en-US" dirty="0"/>
-              <a:t>"Property1", "</a:t>
-            </a:r>
-            <a:r>
-              <a:rPr lang="en-US" dirty="0" smtClean="0"/>
-              <a:t>Value2",</a:t>
-            </a:r>
-          </a:p>
-          <a:p>
+              <a:t>("</a:t>
+            </a:r>
+            <a:r>
+              <a:rPr lang="en-US" dirty="0" err="1"/>
+              <a:t>container_name</a:t>
+            </a:r>
             <a:r>
               <a:rPr lang="en-US" dirty="0"/>
-              <a:t> </a:t>
-            </a:r>
-            <a:r>
-              <a:rPr lang="en-US" dirty="0" smtClean="0"/>
-              <a:t>   "</a:t>
+              <a:t>", "</a:t>
+            </a:r>
+            <a:r>
+              <a:rPr lang="en-US" dirty="0" err="1"/>
+              <a:t>blob_name</a:t>
             </a:r>
             <a:r>
               <a:rPr lang="en-US" dirty="0"/>
-              <a:t>Property1", "</a:t>
-            </a:r>
-            <a:r>
-              <a:rPr lang="en-US" dirty="0" smtClean="0"/>
-              <a:t>Value3"</a:t>
-            </a:r>
-          </a:p>
-          <a:p>
-            <a:r>
-              <a:rPr lang="en-US" dirty="0" smtClean="0"/>
-              <a:t>};</a:t>
-            </a:r>
-          </a:p>
-          <a:p>
-            <a:endParaRPr lang="en-US" dirty="0"/>
-          </a:p>
-          <a:p>
-            <a:r>
-              <a:rPr lang="en-US" dirty="0" err="1" smtClean="0"/>
-              <a:t>service.setBlobMetaData</a:t>
-            </a:r>
-            <a:r>
-              <a:rPr lang="en-US" dirty="0" smtClean="0"/>
-              <a:t>("</a:t>
-            </a:r>
-            <a:r>
-              <a:rPr lang="en-US" dirty="0" err="1" smtClean="0"/>
-              <a:t>container_name</a:t>
-            </a:r>
-            <a:r>
-              <a:rPr lang="en-US" dirty="0" smtClean="0"/>
-              <a:t>", "</a:t>
-            </a:r>
-            <a:r>
-              <a:rPr lang="en-US" dirty="0" err="1" smtClean="0"/>
-              <a:t>blob_name</a:t>
-            </a:r>
-            <a:r>
-              <a:rPr lang="en-US" dirty="0" smtClean="0"/>
               <a:t>",</a:t>
             </a:r>
           </a:p>
           <a:p>
             <a:r>
               <a:rPr lang="en-US" dirty="0"/>
-              <a:t> </a:t>
-            </a:r>
-            <a:r>
-              <a:rPr lang="en-US" dirty="0" smtClean="0"/>
-              <a:t>   metadata, function(error</a:t>
-            </a:r>
+              <a:t>    metadata, function(error, result, response) {</a:t>
+            </a:r>
+          </a:p>
+          <a:p>
             <a:r>
               <a:rPr lang="en-US" dirty="0"/>
-              <a:t>, result, response) {</a:t>
-            </a:r>
-          </a:p>
-          <a:p>
-            <a:r>
-              <a:rPr lang="en-US" dirty="0" smtClean="0"/>
-              <a:t>    if </a:t>
-            </a:r>
+              <a:t>    if (!error) {</a:t>
+            </a:r>
+          </a:p>
+          <a:p>
             <a:r>
               <a:rPr lang="en-US" dirty="0"/>
-              <a:t>(!error) {</a:t>
-            </a:r>
-          </a:p>
-          <a:p>
-            <a:r>
-              <a:rPr lang="en-US" dirty="0" smtClean="0"/>
               <a:t>        // Succeeded</a:t>
             </a:r>
           </a:p>
           <a:p>
             <a:r>
               <a:rPr lang="en-US" dirty="0"/>
-              <a:t> </a:t>
-            </a:r>
-            <a:r>
-              <a:rPr lang="en-US" dirty="0" smtClean="0"/>
-              <a:t>   }</a:t>
-            </a:r>
-            <a:endParaRPr lang="en-US" dirty="0"/>
-          </a:p>
-          <a:p>
-            <a:r>
-              <a:rPr lang="en-US" dirty="0" smtClean="0"/>
+              <a:t>    }</a:t>
+            </a:r>
+          </a:p>
+          <a:p>
+            <a:r>
+              <a:rPr lang="en-US" dirty="0"/>
               <a:t>});</a:t>
             </a:r>
-            <a:endParaRPr lang="en-US" dirty="0"/>
           </a:p>
         </p:txBody>
       </p:sp>
@@ -19015,10 +18741,9 @@
           <a:lstStyle/>
           <a:p>
             <a:r>
-              <a:rPr lang="en-US" dirty="0" smtClean="0"/>
+              <a:rPr lang="en-US" dirty="0"/>
               <a:t>Reading Blob Metadata (C#)</a:t>
             </a:r>
-            <a:endParaRPr lang="en-US" dirty="0"/>
           </a:p>
         </p:txBody>
       </p:sp>
@@ -19038,7 +18763,7 @@
           <a:lstStyle/>
           <a:p>
             <a:r>
-              <a:rPr lang="en-US" dirty="0" smtClean="0"/>
+              <a:rPr lang="en-US" dirty="0"/>
               <a:t>Read metadata properties named "Property1," "Property2," and "Property3" from a blob</a:t>
             </a:r>
           </a:p>
@@ -19060,58 +18785,18 @@
           <a:lstStyle/>
           <a:p>
             <a:r>
-              <a:rPr lang="en-US" dirty="0" err="1" smtClean="0"/>
+              <a:rPr lang="en-US" dirty="0" err="1"/>
               <a:t>blob.FetchAttributes</a:t>
             </a:r>
             <a:r>
-              <a:rPr lang="en-US" dirty="0" smtClean="0"/>
+              <a:rPr lang="en-US" dirty="0"/>
               <a:t>();</a:t>
             </a:r>
           </a:p>
           <a:p>
             <a:r>
-              <a:rPr lang="en-US" dirty="0" smtClean="0"/>
+              <a:rPr lang="en-US" dirty="0"/>
               <a:t>string p1 = </a:t>
-            </a:r>
-            <a:r>
-              <a:rPr lang="en-US" dirty="0" err="1" smtClean="0"/>
-              <a:t>blob.Metadata.ContainsKey</a:t>
-            </a:r>
-            <a:r>
-              <a:rPr lang="en-US" dirty="0" smtClean="0"/>
-              <a:t>("Property1") ?</a:t>
-            </a:r>
-          </a:p>
-          <a:p>
-            <a:r>
-              <a:rPr lang="en-US" dirty="0"/>
-              <a:t> </a:t>
-            </a:r>
-            <a:r>
-              <a:rPr lang="en-US" dirty="0" smtClean="0"/>
-              <a:t>   </a:t>
-            </a:r>
-            <a:r>
-              <a:rPr lang="en-US" dirty="0" err="1" smtClean="0"/>
-              <a:t>blob.Metadata</a:t>
-            </a:r>
-            <a:r>
-              <a:rPr lang="en-US" dirty="0" smtClean="0"/>
-              <a:t>["Property1"] : null;</a:t>
-            </a:r>
-          </a:p>
-          <a:p>
-            <a:r>
-              <a:rPr lang="en-US" dirty="0"/>
-              <a:t>string </a:t>
-            </a:r>
-            <a:r>
-              <a:rPr lang="en-US" dirty="0" smtClean="0"/>
-              <a:t>p2 </a:t>
-            </a:r>
-            <a:r>
-              <a:rPr lang="en-US" dirty="0"/>
-              <a:t>= </a:t>
             </a:r>
             <a:r>
               <a:rPr lang="en-US" dirty="0" err="1"/>
@@ -19119,15 +18804,7 @@
             </a:r>
             <a:r>
               <a:rPr lang="en-US" dirty="0"/>
-              <a:t>("</a:t>
-            </a:r>
-            <a:r>
-              <a:rPr lang="en-US" dirty="0" smtClean="0"/>
-              <a:t>Property2") </a:t>
-            </a:r>
-            <a:r>
-              <a:rPr lang="en-US" dirty="0"/>
-              <a:t>?</a:t>
+              <a:t>("Property1") ?</a:t>
             </a:r>
           </a:p>
           <a:p>
@@ -19141,34 +18818,13 @@
             </a:r>
             <a:r>
               <a:rPr lang="en-US" dirty="0"/>
-              <a:t>["</a:t>
-            </a:r>
-            <a:r>
-              <a:rPr lang="en-US" dirty="0" smtClean="0"/>
-              <a:t>Property2"] </a:t>
-            </a:r>
+              <a:t>["Property1"] : null;</a:t>
+            </a:r>
+          </a:p>
+          <a:p>
             <a:r>
               <a:rPr lang="en-US" dirty="0"/>
-              <a:t>: </a:t>
-            </a:r>
-            <a:r>
-              <a:rPr lang="en-US" dirty="0" smtClean="0"/>
-              <a:t>null;</a:t>
-            </a:r>
-            <a:endParaRPr lang="en-US" dirty="0"/>
-          </a:p>
-          <a:p>
-            <a:r>
-              <a:rPr lang="en-US" dirty="0"/>
-              <a:t>string </a:t>
-            </a:r>
-            <a:r>
-              <a:rPr lang="en-US" dirty="0" smtClean="0"/>
-              <a:t>p3 </a:t>
-            </a:r>
-            <a:r>
-              <a:rPr lang="en-US" dirty="0"/>
-              <a:t>= </a:t>
+              <a:t>string p2 = </a:t>
             </a:r>
             <a:r>
               <a:rPr lang="en-US" dirty="0" err="1"/>
@@ -19176,15 +18832,7 @@
             </a:r>
             <a:r>
               <a:rPr lang="en-US" dirty="0"/>
-              <a:t>("</a:t>
-            </a:r>
-            <a:r>
-              <a:rPr lang="en-US" dirty="0" smtClean="0"/>
-              <a:t>Property3") </a:t>
-            </a:r>
-            <a:r>
-              <a:rPr lang="en-US" dirty="0"/>
-              <a:t>?</a:t>
+              <a:t>("Property2") ?</a:t>
             </a:r>
           </a:p>
           <a:p>
@@ -19198,21 +18846,36 @@
             </a:r>
             <a:r>
               <a:rPr lang="en-US" dirty="0"/>
-              <a:t>["</a:t>
-            </a:r>
-            <a:r>
-              <a:rPr lang="en-US" dirty="0" smtClean="0"/>
-              <a:t>Property3"] </a:t>
-            </a:r>
+              <a:t>["Property2"] : null;</a:t>
+            </a:r>
+          </a:p>
+          <a:p>
             <a:r>
               <a:rPr lang="en-US" dirty="0"/>
-              <a:t>: </a:t>
-            </a:r>
-            <a:r>
-              <a:rPr lang="en-US" dirty="0" smtClean="0"/>
-              <a:t>null;</a:t>
-            </a:r>
-            <a:endParaRPr lang="en-US" dirty="0"/>
+              <a:t>string p3 = </a:t>
+            </a:r>
+            <a:r>
+              <a:rPr lang="en-US" dirty="0" err="1"/>
+              <a:t>blob.Metadata.ContainsKey</a:t>
+            </a:r>
+            <a:r>
+              <a:rPr lang="en-US" dirty="0"/>
+              <a:t>("Property3") ?</a:t>
+            </a:r>
+          </a:p>
+          <a:p>
+            <a:r>
+              <a:rPr lang="en-US" dirty="0"/>
+              <a:t>    </a:t>
+            </a:r>
+            <a:r>
+              <a:rPr lang="en-US" dirty="0" err="1"/>
+              <a:t>blob.Metadata</a:t>
+            </a:r>
+            <a:r>
+              <a:rPr lang="en-US" dirty="0"/>
+              <a:t>["Property3"] : null;</a:t>
+            </a:r>
           </a:p>
         </p:txBody>
       </p:sp>
@@ -19264,10 +18927,9 @@
           <a:lstStyle/>
           <a:p>
             <a:r>
-              <a:rPr lang="en-US" dirty="0" smtClean="0"/>
+              <a:rPr lang="en-US" dirty="0"/>
               <a:t>Deleting a Blob (Node.js)</a:t>
             </a:r>
-            <a:endParaRPr lang="en-US" dirty="0"/>
           </a:p>
         </p:txBody>
       </p:sp>
@@ -19294,13 +18956,8 @@
           <a:p>
             <a:r>
               <a:rPr lang="en-US" dirty="0"/>
-              <a:t>Delete the </a:t>
-            </a:r>
-            <a:r>
-              <a:rPr lang="en-US" dirty="0" smtClean="0"/>
-              <a:t>blob</a:t>
-            </a:r>
-            <a:endParaRPr lang="en-US" dirty="0"/>
+              <a:t>Delete the blob</a:t>
+            </a:r>
           </a:p>
         </p:txBody>
       </p:sp>
@@ -19362,87 +19019,52 @@
           </a:p>
           <a:p>
             <a:r>
-              <a:rPr lang="en-US" dirty="0" err="1" smtClean="0"/>
+              <a:rPr lang="en-US" dirty="0" err="1"/>
               <a:t>service.deleteBlob</a:t>
             </a:r>
             <a:r>
-              <a:rPr lang="en-US" dirty="0" smtClean="0"/>
+              <a:rPr lang="en-US" dirty="0"/>
               <a:t>("</a:t>
             </a:r>
             <a:r>
-              <a:rPr lang="en-US" dirty="0" err="1" smtClean="0"/>
+              <a:rPr lang="en-US" dirty="0" err="1"/>
               <a:t>container_name</a:t>
             </a:r>
             <a:r>
-              <a:rPr lang="en-US" dirty="0" smtClean="0"/>
+              <a:rPr lang="en-US" dirty="0"/>
               <a:t>", "</a:t>
             </a:r>
             <a:r>
-              <a:rPr lang="en-US" dirty="0" err="1" smtClean="0"/>
+              <a:rPr lang="en-US" dirty="0" err="1"/>
               <a:t>blob_name</a:t>
             </a:r>
             <a:r>
-              <a:rPr lang="en-US" dirty="0" smtClean="0"/>
+              <a:rPr lang="en-US" dirty="0"/>
               <a:t>",</a:t>
             </a:r>
           </a:p>
           <a:p>
             <a:r>
               <a:rPr lang="en-US" dirty="0"/>
-              <a:t> </a:t>
-            </a:r>
-            <a:r>
-              <a:rPr lang="en-US" dirty="0" smtClean="0"/>
-              <a:t>   function(error</a:t>
-            </a:r>
+              <a:t>    function(error, response) {</a:t>
+            </a:r>
+          </a:p>
+          <a:p>
             <a:r>
               <a:rPr lang="en-US" dirty="0"/>
-              <a:t>, response</a:t>
-            </a:r>
-            <a:r>
-              <a:rPr lang="en-US" dirty="0" smtClean="0"/>
-              <a:t>) {</a:t>
-            </a:r>
-            <a:endParaRPr lang="en-US" dirty="0"/>
-          </a:p>
-          <a:p>
-            <a:r>
-              <a:rPr lang="en-US" dirty="0" smtClean="0"/>
-              <a:t>    if (!</a:t>
-            </a:r>
+              <a:t>    if (!error) {</a:t>
+            </a:r>
+          </a:p>
+          <a:p>
             <a:r>
               <a:rPr lang="en-US" dirty="0"/>
-              <a:t>error</a:t>
-            </a:r>
-            <a:r>
-              <a:rPr lang="en-US" dirty="0" smtClean="0"/>
-              <a:t>) {</a:t>
-            </a:r>
-            <a:endParaRPr lang="en-US" dirty="0"/>
-          </a:p>
-          <a:p>
-            <a:r>
-              <a:rPr lang="en-US" dirty="0" smtClean="0"/>
-              <a:t>        </a:t>
-            </a:r>
+              <a:t>        // Blob deleted</a:t>
+            </a:r>
+          </a:p>
+          <a:p>
             <a:r>
               <a:rPr lang="en-US" dirty="0"/>
-              <a:t>// Blob </a:t>
-            </a:r>
-            <a:r>
-              <a:rPr lang="en-US" dirty="0" smtClean="0"/>
-              <a:t>deleted</a:t>
-            </a:r>
-            <a:endParaRPr lang="en-US" dirty="0"/>
-          </a:p>
-          <a:p>
-            <a:r>
-              <a:rPr lang="en-US" dirty="0" smtClean="0"/>
-              <a:t>    </a:t>
-            </a:r>
-            <a:r>
-              <a:rPr lang="en-US" dirty="0"/>
-              <a:t>}</a:t>
+              <a:t>    }</a:t>
             </a:r>
           </a:p>
           <a:p>
@@ -19499,10 +19121,9 @@
           <a:lstStyle/>
           <a:p>
             <a:r>
-              <a:rPr lang="en-US" dirty="0" smtClean="0"/>
+              <a:rPr lang="en-US" dirty="0"/>
               <a:t>Microsoft Cognitive Services</a:t>
             </a:r>
-            <a:endParaRPr lang="en-US" dirty="0"/>
           </a:p>
         </p:txBody>
       </p:sp>
@@ -19522,10 +19143,9 @@
           <a:lstStyle/>
           <a:p>
             <a:r>
-              <a:rPr lang="en-US" dirty="0" smtClean="0"/>
+              <a:rPr lang="en-US" dirty="0"/>
               <a:t>Intelligence APIs for building intelligent apps</a:t>
             </a:r>
-            <a:endParaRPr lang="en-US" dirty="0"/>
           </a:p>
         </p:txBody>
       </p:sp>
@@ -19599,10 +19219,9 @@
           <a:lstStyle/>
           <a:p>
             <a:r>
-              <a:rPr lang="en-US" dirty="0" smtClean="0"/>
+              <a:rPr lang="en-US" dirty="0"/>
               <a:t>Cognitive Services APIs</a:t>
             </a:r>
-            <a:endParaRPr lang="en-US" dirty="0"/>
           </a:p>
         </p:txBody>
       </p:sp>
@@ -19629,10 +19248,9 @@
           <a:lstStyle/>
           <a:p>
             <a:r>
-              <a:rPr lang="en-US" sz="2800" dirty="0" smtClean="0"/>
+              <a:rPr lang="en-US" sz="2800" dirty="0"/>
               <a:t>Vision</a:t>
             </a:r>
-            <a:endParaRPr lang="en-US" sz="2800" dirty="0"/>
           </a:p>
         </p:txBody>
       </p:sp>
@@ -19659,10 +19277,9 @@
           <a:lstStyle/>
           <a:p>
             <a:r>
-              <a:rPr lang="en-US" sz="2800" dirty="0" smtClean="0"/>
+              <a:rPr lang="en-US" sz="2800" dirty="0"/>
               <a:t>Speech</a:t>
             </a:r>
-            <a:endParaRPr lang="en-US" sz="2800" dirty="0"/>
           </a:p>
         </p:txBody>
       </p:sp>
@@ -19689,10 +19306,9 @@
           <a:lstStyle/>
           <a:p>
             <a:r>
-              <a:rPr lang="en-US" sz="2800" dirty="0" smtClean="0"/>
+              <a:rPr lang="en-US" sz="2800" dirty="0"/>
               <a:t>Language</a:t>
             </a:r>
-            <a:endParaRPr lang="en-US" sz="2800" dirty="0"/>
           </a:p>
         </p:txBody>
       </p:sp>
@@ -19719,10 +19335,9 @@
           <a:lstStyle/>
           <a:p>
             <a:r>
-              <a:rPr lang="en-US" sz="2800" dirty="0" smtClean="0"/>
+              <a:rPr lang="en-US" sz="2800" dirty="0"/>
               <a:t>Knowledge</a:t>
             </a:r>
-            <a:endParaRPr lang="en-US" sz="2800" dirty="0"/>
           </a:p>
         </p:txBody>
       </p:sp>
@@ -19749,10 +19364,9 @@
           <a:lstStyle/>
           <a:p>
             <a:r>
-              <a:rPr lang="en-US" sz="2800" dirty="0" smtClean="0"/>
+              <a:rPr lang="en-US" sz="2800" dirty="0"/>
               <a:t>Search</a:t>
             </a:r>
-            <a:endParaRPr lang="en-US" sz="2800" dirty="0"/>
           </a:p>
         </p:txBody>
       </p:sp>
@@ -19799,7 +19413,7 @@
           <a:p>
             <a:pPr algn="ctr"/>
             <a:r>
-              <a:rPr lang="en-US" dirty="0" smtClean="0">
+              <a:rPr lang="en-US" dirty="0">
                 <a:solidFill>
                   <a:schemeClr val="bg1"/>
                 </a:solidFill>
@@ -19852,7 +19466,7 @@
           <a:p>
             <a:pPr algn="ctr"/>
             <a:r>
-              <a:rPr lang="en-US" dirty="0" smtClean="0">
+              <a:rPr lang="en-US" dirty="0">
                 <a:solidFill>
                   <a:schemeClr val="bg1"/>
                 </a:solidFill>
@@ -19905,7 +19519,7 @@
           <a:p>
             <a:pPr algn="ctr"/>
             <a:r>
-              <a:rPr lang="en-US" dirty="0" smtClean="0">
+              <a:rPr lang="en-US" dirty="0">
                 <a:solidFill>
                   <a:schemeClr val="bg1"/>
                 </a:solidFill>
@@ -19958,7 +19572,7 @@
           <a:p>
             <a:pPr algn="ctr"/>
             <a:r>
-              <a:rPr lang="en-US" dirty="0" smtClean="0">
+              <a:rPr lang="en-US" dirty="0">
                 <a:solidFill>
                   <a:schemeClr val="bg1"/>
                 </a:solidFill>
@@ -20011,7 +19625,7 @@
           <a:p>
             <a:pPr algn="ctr"/>
             <a:r>
-              <a:rPr lang="en-US" dirty="0" smtClean="0">
+              <a:rPr lang="en-US" dirty="0">
                 <a:solidFill>
                   <a:schemeClr val="bg1"/>
                 </a:solidFill>
@@ -20064,7 +19678,7 @@
           <a:p>
             <a:pPr algn="ctr"/>
             <a:r>
-              <a:rPr lang="en-US" dirty="0" smtClean="0">
+              <a:rPr lang="en-US" dirty="0">
                 <a:solidFill>
                   <a:schemeClr val="bg1"/>
                 </a:solidFill>
@@ -20170,7 +19784,7 @@
           <a:p>
             <a:pPr algn="ctr"/>
             <a:r>
-              <a:rPr lang="en-US" sz="1400" dirty="0" smtClean="0">
+              <a:rPr lang="en-US" sz="1400" dirty="0">
                 <a:solidFill>
                   <a:schemeClr val="bg1"/>
                 </a:solidFill>
@@ -20223,7 +19837,7 @@
           <a:p>
             <a:pPr algn="ctr"/>
             <a:r>
-              <a:rPr lang="en-US" dirty="0" smtClean="0">
+              <a:rPr lang="en-US" dirty="0">
                 <a:solidFill>
                   <a:schemeClr val="bg1"/>
                 </a:solidFill>
@@ -20276,7 +19890,7 @@
           <a:p>
             <a:pPr algn="ctr"/>
             <a:r>
-              <a:rPr lang="en-US" dirty="0" smtClean="0">
+              <a:rPr lang="en-US" dirty="0">
                 <a:solidFill>
                   <a:schemeClr val="bg1"/>
                 </a:solidFill>
@@ -20329,7 +19943,7 @@
           <a:p>
             <a:pPr algn="ctr"/>
             <a:r>
-              <a:rPr lang="en-US" dirty="0" smtClean="0">
+              <a:rPr lang="en-US" dirty="0">
                 <a:solidFill>
                   <a:schemeClr val="bg1"/>
                 </a:solidFill>
@@ -20382,7 +19996,7 @@
           <a:p>
             <a:pPr algn="ctr"/>
             <a:r>
-              <a:rPr lang="en-US" dirty="0" smtClean="0">
+              <a:rPr lang="en-US" dirty="0">
                 <a:solidFill>
                   <a:schemeClr val="bg1"/>
                 </a:solidFill>
@@ -20435,7 +20049,7 @@
           <a:p>
             <a:pPr algn="ctr"/>
             <a:r>
-              <a:rPr lang="en-US" dirty="0" smtClean="0">
+              <a:rPr lang="en-US" dirty="0">
                 <a:solidFill>
                   <a:schemeClr val="bg1"/>
                 </a:solidFill>
@@ -20488,7 +20102,7 @@
           <a:p>
             <a:pPr algn="ctr"/>
             <a:r>
-              <a:rPr lang="en-US" dirty="0" smtClean="0">
+              <a:rPr lang="en-US" dirty="0">
                 <a:solidFill>
                   <a:schemeClr val="bg1"/>
                 </a:solidFill>
@@ -20541,7 +20155,7 @@
           <a:p>
             <a:pPr algn="ctr"/>
             <a:r>
-              <a:rPr lang="en-US" dirty="0" smtClean="0">
+              <a:rPr lang="en-US" dirty="0">
                 <a:solidFill>
                   <a:schemeClr val="bg1"/>
                 </a:solidFill>
@@ -20594,7 +20208,7 @@
           <a:p>
             <a:pPr algn="ctr"/>
             <a:r>
-              <a:rPr lang="en-US" dirty="0" smtClean="0">
+              <a:rPr lang="en-US" dirty="0">
                 <a:solidFill>
                   <a:schemeClr val="bg1"/>
                 </a:solidFill>
@@ -20647,7 +20261,7 @@
           <a:p>
             <a:pPr algn="ctr"/>
             <a:r>
-              <a:rPr lang="en-US" dirty="0" smtClean="0">
+              <a:rPr lang="en-US" dirty="0">
                 <a:solidFill>
                   <a:schemeClr val="bg1"/>
                 </a:solidFill>
@@ -20700,14 +20314,14 @@
           <a:p>
             <a:pPr algn="ctr"/>
             <a:r>
-              <a:rPr lang="en-US" dirty="0" err="1" smtClean="0">
+              <a:rPr lang="en-US" dirty="0" err="1">
                 <a:solidFill>
                   <a:schemeClr val="bg1"/>
                 </a:solidFill>
               </a:rPr>
               <a:t>Recom-mendations</a:t>
             </a:r>
-            <a:endParaRPr lang="en-US" dirty="0" smtClean="0">
+            <a:endParaRPr lang="en-US" dirty="0">
               <a:solidFill>
                 <a:schemeClr val="bg1"/>
               </a:solidFill>
@@ -20758,7 +20372,7 @@
           <a:p>
             <a:pPr algn="ctr"/>
             <a:r>
-              <a:rPr lang="en-US" dirty="0" smtClean="0">
+              <a:rPr lang="en-US" dirty="0">
                 <a:solidFill>
                   <a:schemeClr val="bg1"/>
                 </a:solidFill>
@@ -20811,7 +20425,7 @@
           <a:p>
             <a:pPr algn="ctr"/>
             <a:r>
-              <a:rPr lang="en-US" sz="1400" dirty="0" smtClean="0">
+              <a:rPr lang="en-US" sz="1400" dirty="0">
                 <a:solidFill>
                   <a:schemeClr val="bg1"/>
                 </a:solidFill>
@@ -20864,7 +20478,7 @@
           <a:p>
             <a:pPr algn="ctr"/>
             <a:r>
-              <a:rPr lang="en-US" dirty="0" smtClean="0">
+              <a:rPr lang="en-US" dirty="0">
                 <a:solidFill>
                   <a:schemeClr val="bg1"/>
                 </a:solidFill>
@@ -20920,10 +20534,9 @@
           <a:lstStyle/>
           <a:p>
             <a:r>
-              <a:rPr lang="en-US" dirty="0" smtClean="0"/>
+              <a:rPr lang="en-US" dirty="0"/>
               <a:t>Azure Storage</a:t>
             </a:r>
-            <a:endParaRPr lang="en-US" dirty="0"/>
           </a:p>
         </p:txBody>
       </p:sp>
@@ -20982,7 +20595,7 @@
               </a:spcAft>
             </a:pPr>
             <a:r>
-              <a:rPr lang="en-US" sz="2400" dirty="0" smtClean="0">
+              <a:rPr lang="en-US" sz="2400" dirty="0">
                 <a:gradFill>
                   <a:gsLst>
                     <a:gs pos="0">
@@ -21058,7 +20671,7 @@
                 <a:spcPct val="0"/>
               </a:spcAft>
             </a:pPr>
-            <a:endParaRPr lang="en-US" sz="2200" dirty="0" smtClean="0">
+            <a:endParaRPr lang="en-US" sz="2200" dirty="0">
               <a:gradFill>
                 <a:gsLst>
                   <a:gs pos="0">
@@ -21129,7 +20742,7 @@
               </a:spcAft>
             </a:pPr>
             <a:r>
-              <a:rPr lang="en-US" sz="2400" dirty="0" smtClean="0">
+              <a:rPr lang="en-US" sz="2400" dirty="0">
                 <a:gradFill>
                   <a:gsLst>
                     <a:gs pos="0">
@@ -21204,7 +20817,7 @@
               </a:spcAft>
             </a:pPr>
             <a:r>
-              <a:rPr lang="en-US" sz="2400" dirty="0" smtClean="0">
+              <a:rPr lang="en-US" sz="2400" dirty="0">
                 <a:gradFill>
                   <a:gsLst>
                     <a:gs pos="0">
@@ -21279,7 +20892,7 @@
               </a:spcAft>
             </a:pPr>
             <a:r>
-              <a:rPr lang="en-US" sz="2400" dirty="0" smtClean="0">
+              <a:rPr lang="en-US" sz="2400" dirty="0">
                 <a:gradFill>
                   <a:gsLst>
                     <a:gs pos="0">
@@ -21331,7 +20944,7 @@
               <a:buSzPct val="80000"/>
             </a:pPr>
             <a:r>
-              <a:rPr lang="en-US" sz="2400" dirty="0" smtClean="0">
+              <a:rPr lang="en-US" sz="2400" dirty="0">
                 <a:gradFill>
                   <a:gsLst>
                     <a:gs pos="0">
@@ -21354,27 +20967,6 @@
               </a:rPr>
               <a:t>Storage for any type of data, analogous to files in a file system, with individual blobs storing up to 4.75 TB of data</a:t>
             </a:r>
-            <a:endParaRPr lang="en-US" sz="2400" dirty="0">
-              <a:gradFill>
-                <a:gsLst>
-                  <a:gs pos="0">
-                    <a:srgbClr val="292929">
-                      <a:lumMod val="90000"/>
-                      <a:lumOff val="10000"/>
-                    </a:srgbClr>
-                  </a:gs>
-                  <a:gs pos="86000">
-                    <a:srgbClr val="292929">
-                      <a:lumMod val="90000"/>
-                      <a:lumOff val="10000"/>
-                    </a:srgbClr>
-                  </a:gs>
-                </a:gsLst>
-                <a:lin ang="5400000" scaled="0"/>
-              </a:gradFill>
-              <a:latin typeface="Segoe UI Light" panose="020B0502040204020203" pitchFamily="34" charset="0"/>
-              <a:cs typeface="Segoe UI Light" panose="020B0502040204020203" pitchFamily="34" charset="0"/>
-            </a:endParaRPr>
           </a:p>
         </p:txBody>
       </p:sp>
@@ -21410,7 +21002,7 @@
               <a:buSzPct val="80000"/>
             </a:pPr>
             <a:r>
-              <a:rPr lang="en-US" sz="2400" dirty="0" smtClean="0">
+              <a:rPr lang="en-US" sz="2400" dirty="0">
                 <a:gradFill>
                   <a:gsLst>
                     <a:gs pos="0">
@@ -21433,27 +21025,6 @@
               </a:rPr>
               <a:t>NoSQL data storage rapid development and fast access to large quantities of data</a:t>
             </a:r>
-            <a:endParaRPr lang="en-US" sz="2400" dirty="0">
-              <a:gradFill>
-                <a:gsLst>
-                  <a:gs pos="0">
-                    <a:srgbClr val="292929">
-                      <a:lumMod val="90000"/>
-                      <a:lumOff val="10000"/>
-                    </a:srgbClr>
-                  </a:gs>
-                  <a:gs pos="86000">
-                    <a:srgbClr val="292929">
-                      <a:lumMod val="90000"/>
-                      <a:lumOff val="10000"/>
-                    </a:srgbClr>
-                  </a:gs>
-                </a:gsLst>
-                <a:lin ang="5400000" scaled="0"/>
-              </a:gradFill>
-              <a:latin typeface="Segoe UI Light" panose="020B0502040204020203" pitchFamily="34" charset="0"/>
-              <a:cs typeface="Segoe UI Light" panose="020B0502040204020203" pitchFamily="34" charset="0"/>
-            </a:endParaRPr>
           </a:p>
         </p:txBody>
       </p:sp>
@@ -21489,7 +21060,7 @@
               <a:buSzPct val="80000"/>
             </a:pPr>
             <a:r>
-              <a:rPr lang="en-US" sz="2400" dirty="0" smtClean="0">
+              <a:rPr lang="en-US" sz="2400" dirty="0">
                 <a:gradFill>
                   <a:gsLst>
                     <a:gs pos="0">
@@ -21512,27 +21083,6 @@
               </a:rPr>
               <a:t>File sharing using Server Message Block (SMB) protocol</a:t>
             </a:r>
-            <a:endParaRPr lang="en-US" sz="2400" dirty="0">
-              <a:gradFill>
-                <a:gsLst>
-                  <a:gs pos="0">
-                    <a:srgbClr val="292929">
-                      <a:lumMod val="90000"/>
-                      <a:lumOff val="10000"/>
-                    </a:srgbClr>
-                  </a:gs>
-                  <a:gs pos="86000">
-                    <a:srgbClr val="292929">
-                      <a:lumMod val="90000"/>
-                      <a:lumOff val="10000"/>
-                    </a:srgbClr>
-                  </a:gs>
-                </a:gsLst>
-                <a:lin ang="5400000" scaled="0"/>
-              </a:gradFill>
-              <a:latin typeface="Segoe UI Light" panose="020B0502040204020203" pitchFamily="34" charset="0"/>
-              <a:cs typeface="Segoe UI Light" panose="020B0502040204020203" pitchFamily="34" charset="0"/>
-            </a:endParaRPr>
           </a:p>
         </p:txBody>
       </p:sp>
@@ -21568,7 +21118,7 @@
               <a:buSzPct val="80000"/>
             </a:pPr>
             <a:r>
-              <a:rPr lang="en-US" sz="2400" dirty="0" smtClean="0">
+              <a:rPr lang="en-US" sz="2400" dirty="0">
                 <a:gradFill>
                   <a:gsLst>
                     <a:gs pos="0">
@@ -21591,27 +21141,6 @@
               </a:rPr>
               <a:t>Reliable messaging for workflow processing and for communication between applications or application components</a:t>
             </a:r>
-            <a:endParaRPr lang="en-US" sz="2400" dirty="0">
-              <a:gradFill>
-                <a:gsLst>
-                  <a:gs pos="0">
-                    <a:srgbClr val="292929">
-                      <a:lumMod val="90000"/>
-                      <a:lumOff val="10000"/>
-                    </a:srgbClr>
-                  </a:gs>
-                  <a:gs pos="86000">
-                    <a:srgbClr val="292929">
-                      <a:lumMod val="90000"/>
-                      <a:lumOff val="10000"/>
-                    </a:srgbClr>
-                  </a:gs>
-                </a:gsLst>
-                <a:lin ang="5400000" scaled="0"/>
-              </a:gradFill>
-              <a:latin typeface="Segoe UI Light" panose="020B0502040204020203" pitchFamily="34" charset="0"/>
-              <a:cs typeface="Segoe UI Light" panose="020B0502040204020203" pitchFamily="34" charset="0"/>
-            </a:endParaRPr>
           </a:p>
         </p:txBody>
       </p:sp>
@@ -21671,7 +21200,7 @@
                 <a:spcPct val="0"/>
               </a:spcAft>
             </a:pPr>
-            <a:endParaRPr lang="en-US" sz="2200" dirty="0" smtClean="0">
+            <a:endParaRPr lang="en-US" sz="2200" dirty="0">
               <a:gradFill>
                 <a:gsLst>
                   <a:gs pos="0">
@@ -21743,7 +21272,7 @@
                 <a:spcPct val="0"/>
               </a:spcAft>
             </a:pPr>
-            <a:endParaRPr lang="en-US" sz="2200" dirty="0" smtClean="0">
+            <a:endParaRPr lang="en-US" sz="2200" dirty="0">
               <a:gradFill>
                 <a:gsLst>
                   <a:gs pos="0">
@@ -21815,7 +21344,7 @@
                 <a:spcPct val="0"/>
               </a:spcAft>
             </a:pPr>
-            <a:endParaRPr lang="en-US" sz="2200" dirty="0" smtClean="0">
+            <a:endParaRPr lang="en-US" sz="2200" dirty="0">
               <a:gradFill>
                 <a:gsLst>
                   <a:gs pos="0">
@@ -21887,7 +21416,7 @@
                 <a:spcPct val="0"/>
               </a:spcAft>
             </a:pPr>
-            <a:endParaRPr lang="en-US" sz="2200" dirty="0" smtClean="0">
+            <a:endParaRPr lang="en-US" sz="2200" dirty="0">
               <a:gradFill>
                 <a:gsLst>
                   <a:gs pos="0">
@@ -21959,7 +21488,7 @@
                 <a:spcPct val="0"/>
               </a:spcAft>
             </a:pPr>
-            <a:endParaRPr lang="en-US" sz="2200" dirty="0" smtClean="0">
+            <a:endParaRPr lang="en-US" sz="2200" dirty="0">
               <a:gradFill>
                 <a:gsLst>
                   <a:gs pos="0">
@@ -22031,7 +21560,7 @@
                 <a:spcPct val="0"/>
               </a:spcAft>
             </a:pPr>
-            <a:endParaRPr lang="en-US" sz="2200" dirty="0" smtClean="0">
+            <a:endParaRPr lang="en-US" sz="2200" dirty="0">
               <a:gradFill>
                 <a:gsLst>
                   <a:gs pos="0">
@@ -22103,7 +21632,7 @@
                 <a:spcPct val="0"/>
               </a:spcAft>
             </a:pPr>
-            <a:endParaRPr lang="en-US" sz="2200" dirty="0" smtClean="0">
+            <a:endParaRPr lang="en-US" sz="2200" dirty="0">
               <a:gradFill>
                 <a:gsLst>
                   <a:gs pos="0">
@@ -22175,7 +21704,7 @@
                 <a:spcPct val="0"/>
               </a:spcAft>
             </a:pPr>
-            <a:endParaRPr lang="en-US" sz="2200" dirty="0" smtClean="0">
+            <a:endParaRPr lang="en-US" sz="2200" dirty="0">
               <a:gradFill>
                 <a:gsLst>
                   <a:gs pos="0">
@@ -22271,13 +21800,6 @@
   <p:clrMapOvr>
     <a:masterClrMapping/>
   </p:clrMapOvr>
-  <p:timing>
-    <p:tnLst>
-      <p:par>
-        <p:cTn id="1" dur="indefinite" restart="never" nodeType="tmRoot"/>
-      </p:par>
-    </p:tnLst>
-  </p:timing>
 </p:sld>
 </file>
 
@@ -22314,10 +21836,9 @@
           <a:lstStyle/>
           <a:p>
             <a:r>
-              <a:rPr lang="en-US" dirty="0" smtClean="0"/>
+              <a:rPr lang="en-US" dirty="0"/>
               <a:t>Computer Vision API</a:t>
             </a:r>
-            <a:endParaRPr lang="en-US" dirty="0"/>
           </a:p>
         </p:txBody>
       </p:sp>
@@ -22393,10 +21914,9 @@
           <a:lstStyle/>
           <a:p>
             <a:r>
-              <a:rPr lang="en-US" dirty="0" smtClean="0"/>
+              <a:rPr lang="en-US" dirty="0"/>
               <a:t>Using the Computer Vision API (C#)</a:t>
             </a:r>
-            <a:endParaRPr lang="en-US" dirty="0"/>
           </a:p>
         </p:txBody>
       </p:sp>
@@ -22416,61 +21936,60 @@
           <a:lstStyle/>
           <a:p>
             <a:r>
-              <a:rPr lang="en-US" dirty="0" smtClean="0"/>
+              <a:rPr lang="en-US" dirty="0"/>
               <a:t>Submit an image via URI to the Computer Vision API and ask for captions and descriptive tags</a:t>
             </a:r>
           </a:p>
           <a:p>
             <a:pPr lvl="1"/>
             <a:r>
-              <a:rPr lang="en-US" dirty="0" smtClean="0"/>
+              <a:rPr lang="en-US" dirty="0"/>
               <a:t>Optionally pass a stream instead of a URI</a:t>
             </a:r>
           </a:p>
           <a:p>
             <a:r>
-              <a:rPr lang="en-US" dirty="0" smtClean="0"/>
+              <a:rPr lang="en-US" dirty="0"/>
               <a:t>Uses </a:t>
             </a:r>
             <a:r>
-              <a:rPr lang="en-US" dirty="0" err="1" smtClean="0"/>
+              <a:rPr lang="en-US" dirty="0" err="1"/>
               <a:t>Microsoft.Project-Oxford.Vision</a:t>
             </a:r>
             <a:r>
-              <a:rPr lang="en-US" dirty="0" smtClean="0"/>
+              <a:rPr lang="en-US" dirty="0"/>
               <a:t> </a:t>
             </a:r>
             <a:r>
-              <a:rPr lang="en-US" dirty="0" err="1" smtClean="0"/>
+              <a:rPr lang="en-US" dirty="0" err="1"/>
               <a:t>NuGet</a:t>
             </a:r>
             <a:r>
-              <a:rPr lang="en-US" dirty="0" smtClean="0"/>
+              <a:rPr lang="en-US" dirty="0"/>
               <a:t> package</a:t>
             </a:r>
           </a:p>
           <a:p>
             <a:r>
-              <a:rPr lang="en-US" dirty="0" smtClean="0"/>
+              <a:rPr lang="en-US" dirty="0"/>
               <a:t>Other </a:t>
             </a:r>
             <a:r>
-              <a:rPr lang="en-US" dirty="0" err="1" smtClean="0"/>
+              <a:rPr lang="en-US" dirty="0" err="1"/>
               <a:t>VisualFeatures</a:t>
             </a:r>
             <a:r>
-              <a:rPr lang="en-US" dirty="0" smtClean="0"/>
+              <a:rPr lang="en-US" dirty="0"/>
               <a:t> include Adult, Category, Color, Faces, </a:t>
             </a:r>
             <a:r>
-              <a:rPr lang="en-US" dirty="0" err="1" smtClean="0"/>
+              <a:rPr lang="en-US" dirty="0" err="1"/>
               <a:t>ImageType</a:t>
             </a:r>
             <a:r>
-              <a:rPr lang="en-US" dirty="0" smtClean="0"/>
+              <a:rPr lang="en-US" dirty="0"/>
               <a:t>, and Tags</a:t>
             </a:r>
-            <a:endParaRPr lang="en-US" dirty="0"/>
           </a:p>
         </p:txBody>
       </p:sp>
@@ -22495,39 +22014,30 @@
             </a:r>
             <a:r>
               <a:rPr lang="en-US" dirty="0"/>
-              <a:t> vision </a:t>
-            </a:r>
-            <a:r>
-              <a:rPr lang="en-US" dirty="0" smtClean="0"/>
-              <a:t>=</a:t>
+              <a:t> vision =</a:t>
             </a:r>
           </a:p>
           <a:p>
             <a:r>
               <a:rPr lang="en-US" dirty="0"/>
-              <a:t> </a:t>
-            </a:r>
-            <a:r>
-              <a:rPr lang="en-US" dirty="0" smtClean="0"/>
-              <a:t>   new </a:t>
+              <a:t>    new </a:t>
             </a:r>
             <a:r>
               <a:rPr lang="en-US" dirty="0" err="1"/>
               <a:t>VisionServiceClient</a:t>
             </a:r>
             <a:r>
-              <a:rPr lang="en-US" dirty="0" smtClean="0"/>
+              <a:rPr lang="en-US" dirty="0"/>
               <a:t>("</a:t>
             </a:r>
             <a:r>
-              <a:rPr lang="en-US" dirty="0" err="1" smtClean="0"/>
+              <a:rPr lang="en-US" dirty="0" err="1"/>
               <a:t>subscription_key</a:t>
             </a:r>
             <a:r>
-              <a:rPr lang="en-US" dirty="0" smtClean="0"/>
+              <a:rPr lang="en-US" dirty="0"/>
               <a:t>");</a:t>
             </a:r>
-            <a:endParaRPr lang="en-US" dirty="0"/>
           </a:p>
           <a:p>
             <a:r>
@@ -22536,21 +22046,13 @@
             </a:r>
             <a:r>
               <a:rPr lang="en-US" dirty="0"/>
-              <a:t>[] features </a:t>
-            </a:r>
-            <a:r>
-              <a:rPr lang="en-US" dirty="0" smtClean="0"/>
-              <a:t>=</a:t>
+              <a:t>[] features =</a:t>
             </a:r>
           </a:p>
           <a:p>
             <a:r>
               <a:rPr lang="en-US" dirty="0"/>
-              <a:t> </a:t>
-            </a:r>
-            <a:r>
-              <a:rPr lang="en-US" dirty="0" smtClean="0"/>
-              <a:t>   new </a:t>
+              <a:t>    new </a:t>
             </a:r>
             <a:r>
               <a:rPr lang="en-US" dirty="0" err="1"/>
@@ -22571,50 +22073,34 @@
           </a:p>
           <a:p>
             <a:r>
-              <a:rPr lang="en-US" dirty="0" err="1" smtClean="0"/>
+              <a:rPr lang="en-US" dirty="0" err="1"/>
               <a:t>AnalysisResult</a:t>
             </a:r>
             <a:r>
-              <a:rPr lang="en-US" dirty="0" smtClean="0"/>
-              <a:t> </a:t>
-            </a:r>
-            <a:r>
               <a:rPr lang="en-US" dirty="0"/>
-              <a:t>result </a:t>
-            </a:r>
-            <a:r>
-              <a:rPr lang="en-US" dirty="0" smtClean="0"/>
-              <a:t>=</a:t>
+              <a:t> result =</a:t>
             </a:r>
           </a:p>
           <a:p>
             <a:r>
               <a:rPr lang="en-US" dirty="0"/>
-              <a:t> </a:t>
-            </a:r>
-            <a:r>
-              <a:rPr lang="en-US" dirty="0" smtClean="0"/>
-              <a:t>   await </a:t>
-            </a:r>
-            <a:r>
-              <a:rPr lang="en-US" dirty="0" err="1" smtClean="0"/>
+              <a:t>    await </a:t>
+            </a:r>
+            <a:r>
+              <a:rPr lang="en-US" dirty="0" err="1"/>
               <a:t>vision.AnalyzeImageAsync</a:t>
             </a:r>
             <a:r>
-              <a:rPr lang="en-US" dirty="0" smtClean="0"/>
+              <a:rPr lang="en-US" dirty="0"/>
               <a:t>(</a:t>
             </a:r>
             <a:r>
-              <a:rPr lang="en-US" dirty="0" err="1" smtClean="0"/>
+              <a:rPr lang="en-US" dirty="0" err="1"/>
               <a:t>uri</a:t>
             </a:r>
             <a:r>
-              <a:rPr lang="en-US" dirty="0" smtClean="0"/>
-              <a:t>, </a:t>
-            </a:r>
-            <a:r>
               <a:rPr lang="en-US" dirty="0"/>
-              <a:t>features);</a:t>
+              <a:t>, features);</a:t>
             </a:r>
           </a:p>
           <a:p>
@@ -22622,20 +22108,16 @@
           </a:p>
           <a:p>
             <a:r>
-              <a:rPr lang="en-US" dirty="0" smtClean="0"/>
+              <a:rPr lang="en-US" dirty="0"/>
               <a:t>string caption = </a:t>
             </a:r>
             <a:r>
-              <a:rPr lang="en-US" dirty="0" err="1" smtClean="0"/>
+              <a:rPr lang="en-US" dirty="0" err="1"/>
               <a:t>result.Description.Captions</a:t>
             </a:r>
             <a:r>
-              <a:rPr lang="en-US" dirty="0" smtClean="0"/>
-              <a:t>[0</a:t>
-            </a:r>
-            <a:r>
               <a:rPr lang="en-US" dirty="0"/>
-              <a:t>].Text);</a:t>
+              <a:t>[0].Text);</a:t>
             </a:r>
           </a:p>
           <a:p>
@@ -22643,22 +22125,21 @@
           </a:p>
           <a:p>
             <a:r>
-              <a:rPr lang="en-US" dirty="0" err="1" smtClean="0"/>
+              <a:rPr lang="en-US" dirty="0" err="1"/>
               <a:t>foreach</a:t>
             </a:r>
             <a:r>
-              <a:rPr lang="en-US" dirty="0" smtClean="0"/>
+              <a:rPr lang="en-US" dirty="0"/>
               <a:t> (string tag in </a:t>
             </a:r>
             <a:r>
-              <a:rPr lang="en-US" dirty="0" err="1" smtClean="0"/>
+              <a:rPr lang="en-US" dirty="0" err="1"/>
               <a:t>result.Description.Tags</a:t>
             </a:r>
             <a:r>
-              <a:rPr lang="en-US" dirty="0" smtClean="0"/>
+              <a:rPr lang="en-US" dirty="0"/>
               <a:t>)</a:t>
             </a:r>
-            <a:endParaRPr lang="en-US" dirty="0"/>
           </a:p>
           <a:p>
             <a:r>
@@ -22668,16 +22149,15 @@
           </a:p>
           <a:p>
             <a:r>
-              <a:rPr lang="en-US" dirty="0" smtClean="0"/>
+              <a:rPr lang="en-US" dirty="0"/>
               <a:t>    // tag holds descriptive tag for image (e.g., "river")</a:t>
             </a:r>
           </a:p>
           <a:p>
             <a:r>
-              <a:rPr lang="en-US" dirty="0" smtClean="0"/>
+              <a:rPr lang="en-US" dirty="0"/>
               <a:t>}</a:t>
             </a:r>
-            <a:endParaRPr lang="en-US" dirty="0"/>
           </a:p>
         </p:txBody>
       </p:sp>
@@ -22729,10 +22209,9 @@
           <a:lstStyle/>
           <a:p>
             <a:r>
-              <a:rPr lang="en-US" dirty="0" smtClean="0"/>
+              <a:rPr lang="en-US" dirty="0"/>
               <a:t>Using the Computer Vision API (Node.js)</a:t>
             </a:r>
-            <a:endParaRPr lang="en-US" dirty="0"/>
           </a:p>
         </p:txBody>
       </p:sp>
@@ -22760,25 +22239,12 @@
             <a:pPr lvl="1"/>
             <a:r>
               <a:rPr lang="en-US" dirty="0"/>
-              <a:t>Optionally </a:t>
-            </a:r>
-            <a:r>
-              <a:rPr lang="en-US" dirty="0" smtClean="0"/>
-              <a:t>pass a </a:t>
-            </a:r>
+              <a:t>Optionally pass a stream instead of a URI</a:t>
+            </a:r>
+          </a:p>
+          <a:p>
             <a:r>
               <a:rPr lang="en-US" dirty="0"/>
-              <a:t>stream instead </a:t>
-            </a:r>
-            <a:r>
-              <a:rPr lang="en-US" dirty="0" smtClean="0"/>
-              <a:t>of a URI</a:t>
-            </a:r>
-            <a:endParaRPr lang="en-US" dirty="0"/>
-          </a:p>
-          <a:p>
-            <a:r>
-              <a:rPr lang="en-US" dirty="0" smtClean="0"/>
               <a:t>Other </a:t>
             </a:r>
             <a:r>
@@ -22830,15 +22296,7 @@
           <a:p>
             <a:r>
               <a:rPr lang="en-US" dirty="0"/>
-              <a:t>  </a:t>
-            </a:r>
-            <a:r>
-              <a:rPr lang="en-US" dirty="0" smtClean="0"/>
-              <a:t>  url</a:t>
-            </a:r>
-            <a:r>
-              <a:rPr lang="en-US" dirty="0"/>
-              <a:t>: "</a:t>
+              <a:t>    url: "</a:t>
             </a:r>
             <a:r>
               <a:rPr lang="en-US" sz="1500" dirty="0"/>
@@ -23039,10 +22497,9 @@
           <a:lstStyle/>
           <a:p>
             <a:r>
-              <a:rPr lang="en-US" dirty="0" smtClean="0"/>
+              <a:rPr lang="en-US" dirty="0"/>
               <a:t>Hands-On Lab</a:t>
             </a:r>
-            <a:endParaRPr lang="en-US" dirty="0"/>
           </a:p>
         </p:txBody>
       </p:sp>
@@ -23058,22 +22515,33 @@
         </p:nvSpPr>
         <p:spPr/>
         <p:txBody>
-          <a:bodyPr/>
+          <a:bodyPr>
+            <a:normAutofit fontScale="92500" lnSpcReduction="20000"/>
+          </a:bodyPr>
           <a:lstStyle/>
           <a:p>
             <a:r>
-              <a:rPr lang="en-US" dirty="0" smtClean="0"/>
+              <a:rPr lang="en-US" dirty="0"/>
               <a:t>Azure Storage and Cognitive Services HOL (MVC).html</a:t>
             </a:r>
           </a:p>
           <a:p>
             <a:r>
               <a:rPr lang="en-US" dirty="0"/>
-              <a:t>Azure Storage and Cognitive Services </a:t>
-            </a:r>
-            <a:r>
-              <a:rPr lang="en-US" dirty="0" smtClean="0"/>
-              <a:t>HOL (Node).html</a:t>
+              <a:t>Azure Storage and Cognitive Services HOL (Node).html</a:t>
+            </a:r>
+          </a:p>
+          <a:p>
+            <a:endParaRPr lang="en-US" dirty="0"/>
+          </a:p>
+          <a:p>
+            <a:r>
+              <a:rPr lang="en-US" dirty="0"/>
+              <a:t>aka.ms/</a:t>
+            </a:r>
+            <a:r>
+              <a:rPr lang="en-US" dirty="0" err="1"/>
+              <a:t>UJEnrichment</a:t>
             </a:r>
             <a:endParaRPr lang="en-US" dirty="0"/>
           </a:p>
@@ -23122,13 +22590,6 @@
   <p:transition>
     <p:fade/>
   </p:transition>
-  <p:timing>
-    <p:tnLst>
-      <p:par>
-        <p:cTn id="1" dur="indefinite" restart="never" nodeType="tmRoot"/>
-      </p:par>
-    </p:tnLst>
-  </p:timing>
 </p:sld>
 </file>
 
@@ -23165,10 +22626,9 @@
           <a:lstStyle/>
           <a:p>
             <a:r>
-              <a:rPr lang="en-US" dirty="0" smtClean="0"/>
+              <a:rPr lang="en-US" dirty="0"/>
               <a:t>Blob Storage</a:t>
             </a:r>
-            <a:endParaRPr lang="en-US" dirty="0"/>
           </a:p>
         </p:txBody>
       </p:sp>
@@ -23231,7 +22691,7 @@
               </a:spcAft>
             </a:pPr>
             <a:r>
-              <a:rPr lang="en-US" sz="3200" dirty="0" smtClean="0">
+              <a:rPr lang="en-US" sz="3200" dirty="0">
                 <a:solidFill>
                   <a:schemeClr val="accent2"/>
                 </a:solidFill>
@@ -23440,7 +22900,7 @@
               </a:spcAft>
             </a:pPr>
             <a:r>
-              <a:rPr lang="en-US" sz="2200" dirty="0" err="1" smtClean="0">
+              <a:rPr lang="en-US" sz="2200" dirty="0" err="1">
                 <a:solidFill>
                   <a:schemeClr val="bg1"/>
                 </a:solidFill>
@@ -23449,7 +22909,7 @@
               </a:rPr>
               <a:t>dxlabs</a:t>
             </a:r>
-            <a:endParaRPr lang="en-US" sz="2200" dirty="0" smtClean="0">
+            <a:endParaRPr lang="en-US" sz="2200" dirty="0">
               <a:solidFill>
                 <a:schemeClr val="bg1"/>
               </a:solidFill>
@@ -23514,7 +22974,7 @@
               </a:spcAft>
             </a:pPr>
             <a:r>
-              <a:rPr lang="en-US" sz="2200" dirty="0" smtClean="0">
+              <a:rPr lang="en-US" sz="2200" dirty="0">
                 <a:solidFill>
                   <a:schemeClr val="bg1"/>
                 </a:solidFill>
@@ -23523,13 +22983,6 @@
               </a:rPr>
               <a:t>images</a:t>
             </a:r>
-            <a:endParaRPr lang="en-US" sz="2200" dirty="0">
-              <a:solidFill>
-                <a:schemeClr val="bg1"/>
-              </a:solidFill>
-              <a:latin typeface="Segoe UI Light" panose="020B0502040204020203" pitchFamily="34" charset="0"/>
-              <a:cs typeface="Segoe UI Light" panose="020B0502040204020203" pitchFamily="34" charset="0"/>
-            </a:endParaRPr>
           </a:p>
         </p:txBody>
       </p:sp>
@@ -23588,7 +23041,7 @@
               </a:spcAft>
             </a:pPr>
             <a:r>
-              <a:rPr lang="en-US" sz="2200" dirty="0" smtClean="0">
+              <a:rPr lang="en-US" sz="2200" dirty="0">
                 <a:solidFill>
                   <a:schemeClr val="bg1"/>
                 </a:solidFill>
@@ -23597,13 +23050,6 @@
               </a:rPr>
               <a:t>documents</a:t>
             </a:r>
-            <a:endParaRPr lang="en-US" sz="2200" dirty="0">
-              <a:solidFill>
-                <a:schemeClr val="bg1"/>
-              </a:solidFill>
-              <a:latin typeface="Segoe UI Light" panose="020B0502040204020203" pitchFamily="34" charset="0"/>
-              <a:cs typeface="Segoe UI Light" panose="020B0502040204020203" pitchFamily="34" charset="0"/>
-            </a:endParaRPr>
           </a:p>
         </p:txBody>
       </p:sp>
@@ -23662,7 +23108,7 @@
               </a:spcAft>
             </a:pPr>
             <a:r>
-              <a:rPr lang="en-US" sz="2200" dirty="0" smtClean="0">
+              <a:rPr lang="en-US" sz="2200" dirty="0">
                 <a:solidFill>
                   <a:schemeClr val="bg1"/>
                 </a:solidFill>
@@ -23671,13 +23117,6 @@
               </a:rPr>
               <a:t>schema.jpg</a:t>
             </a:r>
-            <a:endParaRPr lang="en-US" sz="2200" dirty="0">
-              <a:solidFill>
-                <a:schemeClr val="bg1"/>
-              </a:solidFill>
-              <a:latin typeface="Segoe UI Light" panose="020B0502040204020203" pitchFamily="34" charset="0"/>
-              <a:cs typeface="Segoe UI Light" panose="020B0502040204020203" pitchFamily="34" charset="0"/>
-            </a:endParaRPr>
           </a:p>
         </p:txBody>
       </p:sp>
@@ -23736,7 +23175,7 @@
               </a:spcAft>
             </a:pPr>
             <a:r>
-              <a:rPr lang="en-US" sz="2200" dirty="0" smtClean="0">
+              <a:rPr lang="en-US" sz="2200" dirty="0">
                 <a:solidFill>
                   <a:schemeClr val="bg1"/>
                 </a:solidFill>
@@ -23745,13 +23184,6 @@
               </a:rPr>
               <a:t>Labs.pdf</a:t>
             </a:r>
-            <a:endParaRPr lang="en-US" sz="2200" dirty="0">
-              <a:solidFill>
-                <a:schemeClr val="bg1"/>
-              </a:solidFill>
-              <a:latin typeface="Segoe UI Light" panose="020B0502040204020203" pitchFamily="34" charset="0"/>
-              <a:cs typeface="Segoe UI Light" panose="020B0502040204020203" pitchFamily="34" charset="0"/>
-            </a:endParaRPr>
           </a:p>
         </p:txBody>
       </p:sp>
@@ -23810,7 +23242,7 @@
               </a:spcAft>
             </a:pPr>
             <a:r>
-              <a:rPr lang="en-US" sz="2200" dirty="0" err="1" smtClean="0">
+              <a:rPr lang="en-US" sz="2200" dirty="0" err="1">
                 <a:solidFill>
                   <a:schemeClr val="bg1"/>
                 </a:solidFill>
@@ -23820,7 +23252,7 @@
               <a:t>Png</a:t>
             </a:r>
             <a:r>
-              <a:rPr lang="en-US" sz="2200" dirty="0" smtClean="0">
+              <a:rPr lang="en-US" sz="2200" dirty="0">
                 <a:solidFill>
                   <a:schemeClr val="bg1"/>
                 </a:solidFill>
@@ -23829,13 +23261,6 @@
               </a:rPr>
               <a:t>/flow.png</a:t>
             </a:r>
-            <a:endParaRPr lang="en-US" sz="2200" dirty="0">
-              <a:solidFill>
-                <a:schemeClr val="bg1"/>
-              </a:solidFill>
-              <a:latin typeface="Segoe UI Light" panose="020B0502040204020203" pitchFamily="34" charset="0"/>
-              <a:cs typeface="Segoe UI Light" panose="020B0502040204020203" pitchFamily="34" charset="0"/>
-            </a:endParaRPr>
           </a:p>
         </p:txBody>
       </p:sp>
@@ -24151,7 +23576,7 @@
               <a:buSzPct val="80000"/>
             </a:pPr>
             <a:r>
-              <a:rPr lang="en-US" sz="1600" dirty="0" smtClean="0">
+              <a:rPr lang="en-US" sz="1600" dirty="0">
                 <a:gradFill>
                   <a:gsLst>
                     <a:gs pos="0">
@@ -24186,7 +23611,7 @@
               <a:buSzPct val="80000"/>
             </a:pPr>
             <a:r>
-              <a:rPr lang="en-US" sz="1600" dirty="0" smtClean="0">
+              <a:rPr lang="en-US" sz="1600" dirty="0">
                 <a:gradFill>
                   <a:gsLst>
                     <a:gs pos="0">
@@ -24221,7 +23646,7 @@
               <a:buSzPct val="80000"/>
             </a:pPr>
             <a:r>
-              <a:rPr lang="en-US" sz="1600" dirty="0" smtClean="0">
+              <a:rPr lang="en-US" sz="1600" dirty="0">
                 <a:gradFill>
                   <a:gsLst>
                     <a:gs pos="0">
@@ -24244,27 +23669,6 @@
               </a:rPr>
               <a:t>Unique within Azure</a:t>
             </a:r>
-            <a:endParaRPr lang="en-US" sz="1600" dirty="0">
-              <a:gradFill>
-                <a:gsLst>
-                  <a:gs pos="0">
-                    <a:srgbClr val="292929">
-                      <a:lumMod val="90000"/>
-                      <a:lumOff val="10000"/>
-                    </a:srgbClr>
-                  </a:gs>
-                  <a:gs pos="86000">
-                    <a:srgbClr val="292929">
-                      <a:lumMod val="90000"/>
-                      <a:lumOff val="10000"/>
-                    </a:srgbClr>
-                  </a:gs>
-                </a:gsLst>
-                <a:lin ang="5400000" scaled="0"/>
-              </a:gradFill>
-              <a:latin typeface="Segoe UI Light" panose="020B0502040204020203" pitchFamily="34" charset="0"/>
-              <a:cs typeface="Segoe UI Light" panose="020B0502040204020203" pitchFamily="34" charset="0"/>
-            </a:endParaRPr>
           </a:p>
         </p:txBody>
       </p:sp>
@@ -24300,7 +23704,7 @@
               <a:buSzPct val="80000"/>
             </a:pPr>
             <a:r>
-              <a:rPr lang="en-US" sz="1600" dirty="0" smtClean="0">
+              <a:rPr lang="en-US" sz="1600" dirty="0">
                 <a:gradFill>
                   <a:gsLst>
                     <a:gs pos="0">
@@ -24335,7 +23739,7 @@
               <a:buSzPct val="80000"/>
             </a:pPr>
             <a:r>
-              <a:rPr lang="en-US" sz="1600" dirty="0" smtClean="0">
+              <a:rPr lang="en-US" sz="1600" dirty="0">
                 <a:gradFill>
                   <a:gsLst>
                     <a:gs pos="0">
@@ -24358,27 +23762,6 @@
               </a:rPr>
               <a:t>0-9, a-z, and dashes</a:t>
             </a:r>
-            <a:endParaRPr lang="en-US" sz="1600" dirty="0">
-              <a:gradFill>
-                <a:gsLst>
-                  <a:gs pos="0">
-                    <a:srgbClr val="292929">
-                      <a:lumMod val="90000"/>
-                      <a:lumOff val="10000"/>
-                    </a:srgbClr>
-                  </a:gs>
-                  <a:gs pos="86000">
-                    <a:srgbClr val="292929">
-                      <a:lumMod val="90000"/>
-                      <a:lumOff val="10000"/>
-                    </a:srgbClr>
-                  </a:gs>
-                </a:gsLst>
-                <a:lin ang="5400000" scaled="0"/>
-              </a:gradFill>
-              <a:latin typeface="Segoe UI Light" panose="020B0502040204020203" pitchFamily="34" charset="0"/>
-              <a:cs typeface="Segoe UI Light" panose="020B0502040204020203" pitchFamily="34" charset="0"/>
-            </a:endParaRPr>
           </a:p>
         </p:txBody>
       </p:sp>
@@ -24414,7 +23797,7 @@
               <a:buSzPct val="80000"/>
             </a:pPr>
             <a:r>
-              <a:rPr lang="en-US" sz="1600" dirty="0" smtClean="0">
+              <a:rPr lang="en-US" sz="1600" dirty="0">
                 <a:gradFill>
                   <a:gsLst>
                     <a:gs pos="0">
@@ -24449,7 +23832,7 @@
               <a:buSzPct val="80000"/>
             </a:pPr>
             <a:r>
-              <a:rPr lang="en-US" sz="1600" u="sng" dirty="0" smtClean="0">
+              <a:rPr lang="en-US" sz="1600" u="sng" dirty="0">
                 <a:gradFill>
                   <a:gsLst>
                     <a:gs pos="0">
@@ -24473,7 +23856,7 @@
               <a:t>Any</a:t>
             </a:r>
             <a:r>
-              <a:rPr lang="en-US" sz="1600" dirty="0" smtClean="0">
+              <a:rPr lang="en-US" sz="1600" dirty="0">
                 <a:gradFill>
                   <a:gsLst>
                     <a:gs pos="0">
@@ -24508,7 +23891,7 @@
               <a:buSzPct val="80000"/>
             </a:pPr>
             <a:r>
-              <a:rPr lang="en-US" sz="1600" dirty="0" smtClean="0">
+              <a:rPr lang="en-US" sz="1600" dirty="0">
                 <a:gradFill>
                   <a:gsLst>
                     <a:gs pos="0">
@@ -24543,7 +23926,7 @@
               <a:buSzPct val="80000"/>
             </a:pPr>
             <a:r>
-              <a:rPr lang="en-US" sz="1600" dirty="0" smtClean="0">
+              <a:rPr lang="en-US" sz="1600" dirty="0">
                 <a:gradFill>
                   <a:gsLst>
                     <a:gs pos="0">
@@ -24566,27 +23949,6 @@
               </a:rPr>
               <a:t>Max. 254 path segments</a:t>
             </a:r>
-            <a:endParaRPr lang="en-US" sz="1600" dirty="0">
-              <a:gradFill>
-                <a:gsLst>
-                  <a:gs pos="0">
-                    <a:srgbClr val="292929">
-                      <a:lumMod val="90000"/>
-                      <a:lumOff val="10000"/>
-                    </a:srgbClr>
-                  </a:gs>
-                  <a:gs pos="86000">
-                    <a:srgbClr val="292929">
-                      <a:lumMod val="90000"/>
-                      <a:lumOff val="10000"/>
-                    </a:srgbClr>
-                  </a:gs>
-                </a:gsLst>
-                <a:lin ang="5400000" scaled="0"/>
-              </a:gradFill>
-              <a:latin typeface="Segoe UI Light" panose="020B0502040204020203" pitchFamily="34" charset="0"/>
-              <a:cs typeface="Segoe UI Light" panose="020B0502040204020203" pitchFamily="34" charset="0"/>
-            </a:endParaRPr>
           </a:p>
         </p:txBody>
       </p:sp>
@@ -24600,13 +23962,6 @@
   <p:clrMapOvr>
     <a:masterClrMapping/>
   </p:clrMapOvr>
-  <p:timing>
-    <p:tnLst>
-      <p:par>
-        <p:cTn id="1" dur="indefinite" restart="never" nodeType="tmRoot"/>
-      </p:par>
-    </p:tnLst>
-  </p:timing>
 </p:sld>
 </file>
 
@@ -24643,10 +23998,9 @@
           <a:lstStyle/>
           <a:p>
             <a:r>
-              <a:rPr lang="en-US" dirty="0" smtClean="0"/>
+              <a:rPr lang="en-US" dirty="0"/>
               <a:t>Blob URLs</a:t>
             </a:r>
-            <a:endParaRPr lang="en-US" dirty="0"/>
           </a:p>
         </p:txBody>
       </p:sp>
@@ -24709,7 +24063,7 @@
               </a:spcAft>
             </a:pPr>
             <a:r>
-              <a:rPr lang="en-US" sz="3200" dirty="0" smtClean="0">
+              <a:rPr lang="en-US" sz="3200" dirty="0">
                 <a:solidFill>
                   <a:srgbClr val="2E75B5"/>
                 </a:solidFill>
@@ -24918,7 +24272,7 @@
               </a:spcAft>
             </a:pPr>
             <a:r>
-              <a:rPr lang="en-US" sz="2200" dirty="0" err="1" smtClean="0">
+              <a:rPr lang="en-US" sz="2200" dirty="0" err="1">
                 <a:solidFill>
                   <a:prstClr val="white"/>
                 </a:solidFill>
@@ -24927,7 +24281,7 @@
               </a:rPr>
               <a:t>dxlabs</a:t>
             </a:r>
-            <a:endParaRPr lang="en-US" sz="2200" dirty="0" smtClean="0">
+            <a:endParaRPr lang="en-US" sz="2200" dirty="0">
               <a:solidFill>
                 <a:prstClr val="white"/>
               </a:solidFill>
@@ -24992,7 +24346,7 @@
               </a:spcAft>
             </a:pPr>
             <a:r>
-              <a:rPr lang="en-US" sz="2200" dirty="0" smtClean="0">
+              <a:rPr lang="en-US" sz="2200" dirty="0">
                 <a:solidFill>
                   <a:prstClr val="white"/>
                 </a:solidFill>
@@ -25001,13 +24355,6 @@
               </a:rPr>
               <a:t>images</a:t>
             </a:r>
-            <a:endParaRPr lang="en-US" sz="2200" dirty="0">
-              <a:solidFill>
-                <a:prstClr val="white"/>
-              </a:solidFill>
-              <a:latin typeface="Segoe UI Light" panose="020B0502040204020203" pitchFamily="34" charset="0"/>
-              <a:cs typeface="Segoe UI Light" panose="020B0502040204020203" pitchFamily="34" charset="0"/>
-            </a:endParaRPr>
           </a:p>
         </p:txBody>
       </p:sp>
@@ -25601,7 +24948,7 @@
               <a:buSzPct val="80000"/>
             </a:pPr>
             <a:r>
-              <a:rPr lang="en-US" sz="3200" dirty="0" smtClean="0">
+              <a:rPr lang="en-US" sz="3200" dirty="0">
                 <a:gradFill>
                   <a:gsLst>
                     <a:gs pos="0">
@@ -25623,7 +24970,7 @@
               <a:t>https://</a:t>
             </a:r>
             <a:r>
-              <a:rPr lang="en-US" sz="3200" dirty="0" smtClean="0">
+              <a:rPr lang="en-US" sz="3200" dirty="0">
                 <a:solidFill>
                   <a:srgbClr val="9CC3E5"/>
                 </a:solidFill>
@@ -25631,7 +24978,7 @@
               <a:t>dxlabs</a:t>
             </a:r>
             <a:r>
-              <a:rPr lang="en-US" sz="3200" dirty="0" smtClean="0">
+              <a:rPr lang="en-US" sz="3200" dirty="0">
                 <a:gradFill>
                   <a:gsLst>
                     <a:gs pos="0">
@@ -25653,7 +25000,7 @@
               <a:t>.blob.core.windows.net/</a:t>
             </a:r>
             <a:r>
-              <a:rPr lang="en-US" sz="3200" dirty="0" smtClean="0">
+              <a:rPr lang="en-US" sz="3200" dirty="0">
                 <a:solidFill>
                   <a:srgbClr val="2E75B5"/>
                 </a:solidFill>
@@ -25661,7 +25008,7 @@
               <a:t>images</a:t>
             </a:r>
             <a:r>
-              <a:rPr lang="en-US" sz="3200" dirty="0" smtClean="0">
+              <a:rPr lang="en-US" sz="3200" dirty="0">
                 <a:gradFill>
                   <a:gsLst>
                     <a:gs pos="0">
@@ -25683,18 +25030,13 @@
               <a:t>/</a:t>
             </a:r>
             <a:r>
-              <a:rPr lang="en-US" sz="3200" dirty="0" smtClean="0">
+              <a:rPr lang="en-US" sz="3200" dirty="0">
                 <a:solidFill>
                   <a:srgbClr val="CC99FF"/>
                 </a:solidFill>
               </a:rPr>
               <a:t>schema.jpg</a:t>
             </a:r>
-            <a:endParaRPr lang="en-US" sz="3200" dirty="0">
-              <a:solidFill>
-                <a:srgbClr val="CC99FF"/>
-              </a:solidFill>
-            </a:endParaRPr>
           </a:p>
         </p:txBody>
       </p:sp>
@@ -25708,13 +25050,6 @@
   <p:clrMapOvr>
     <a:masterClrMapping/>
   </p:clrMapOvr>
-  <p:timing>
-    <p:tnLst>
-      <p:par>
-        <p:cTn id="1" dur="indefinite" restart="never" nodeType="tmRoot"/>
-      </p:par>
-    </p:tnLst>
-  </p:timing>
 </p:sld>
 </file>
 
@@ -25751,10 +25086,9 @@
           <a:lstStyle/>
           <a:p>
             <a:r>
-              <a:rPr lang="en-US" dirty="0" smtClean="0"/>
+              <a:rPr lang="en-US" dirty="0"/>
               <a:t>Storage Accounts</a:t>
             </a:r>
-            <a:endParaRPr lang="en-US" dirty="0"/>
           </a:p>
         </p:txBody>
       </p:sp>
@@ -25779,45 +25113,45 @@
           <a:lstStyle/>
           <a:p>
             <a:r>
-              <a:rPr lang="en-US" dirty="0" smtClean="0"/>
+              <a:rPr lang="en-US" dirty="0"/>
               <a:t>Up to 500 TB of data per account</a:t>
             </a:r>
           </a:p>
           <a:p>
             <a:r>
-              <a:rPr lang="en-US" dirty="0" smtClean="0"/>
+              <a:rPr lang="en-US" dirty="0"/>
               <a:t>Maximum of 200 storage accounts per subscription</a:t>
             </a:r>
           </a:p>
           <a:p>
             <a:r>
-              <a:rPr lang="en-US" dirty="0" smtClean="0"/>
+              <a:rPr lang="en-US" dirty="0"/>
               <a:t>Two types of accounts</a:t>
             </a:r>
           </a:p>
           <a:p>
             <a:pPr lvl="1"/>
             <a:r>
-              <a:rPr lang="en-US" dirty="0" smtClean="0"/>
+              <a:rPr lang="en-US" dirty="0"/>
               <a:t>"General purpose" and "Blob storage"</a:t>
             </a:r>
           </a:p>
           <a:p>
             <a:r>
-              <a:rPr lang="en-US" dirty="0" smtClean="0"/>
+              <a:rPr lang="en-US" dirty="0"/>
               <a:t>Four types of replication</a:t>
             </a:r>
           </a:p>
           <a:p>
             <a:pPr lvl="1"/>
             <a:r>
-              <a:rPr lang="en-US" dirty="0" smtClean="0"/>
+              <a:rPr lang="en-US" dirty="0"/>
               <a:t>LRS, ZRS, GRS, and RA-GRS</a:t>
             </a:r>
           </a:p>
           <a:p>
             <a:r>
-              <a:rPr lang="en-US" dirty="0" smtClean="0"/>
+              <a:rPr lang="en-US" dirty="0"/>
               <a:t>Support optional 256-bit AES encryption for "data at rest"</a:t>
             </a:r>
           </a:p>
@@ -25857,13 +25191,6 @@
   <p:clrMapOvr>
     <a:masterClrMapping/>
   </p:clrMapOvr>
-  <p:timing>
-    <p:tnLst>
-      <p:par>
-        <p:cTn id="1" dur="indefinite" restart="never" nodeType="tmRoot"/>
-      </p:par>
-    </p:tnLst>
-  </p:timing>
 </p:sld>
 </file>
 
@@ -25900,10 +25227,9 @@
           <a:lstStyle/>
           <a:p>
             <a:r>
-              <a:rPr lang="en-US" dirty="0" smtClean="0"/>
+              <a:rPr lang="en-US" dirty="0"/>
               <a:t>Storage Keys</a:t>
             </a:r>
-            <a:endParaRPr lang="en-US" dirty="0"/>
           </a:p>
         </p:txBody>
       </p:sp>
@@ -26028,10 +25354,9 @@
           <a:lstStyle/>
           <a:p>
             <a:r>
-              <a:rPr lang="en-US" dirty="0" smtClean="0"/>
+              <a:rPr lang="en-US" dirty="0"/>
               <a:t>Shared-Access Signatures</a:t>
             </a:r>
-            <a:endParaRPr lang="en-US" dirty="0"/>
           </a:p>
         </p:txBody>
       </p:sp>
@@ -26067,7 +25392,7 @@
               <a:buSzPct val="80000"/>
             </a:pPr>
             <a:r>
-              <a:rPr lang="en-US" sz="3200" dirty="0" smtClean="0">
+              <a:rPr lang="en-US" sz="3200" dirty="0">
                 <a:solidFill>
                   <a:schemeClr val="accent2"/>
                 </a:solidFill>
@@ -26168,18 +25493,13 @@
               <a:buSzPct val="80000"/>
             </a:pPr>
             <a:r>
-              <a:rPr lang="en-US" sz="3200" dirty="0" smtClean="0">
+              <a:rPr lang="en-US" sz="3200" dirty="0">
                 <a:solidFill>
                   <a:schemeClr val="accent2"/>
                 </a:solidFill>
               </a:rPr>
               <a:t>Blob URL</a:t>
             </a:r>
-            <a:endParaRPr lang="en-US" sz="3200" dirty="0">
-              <a:solidFill>
-                <a:schemeClr val="accent2"/>
-              </a:solidFill>
-            </a:endParaRPr>
           </a:p>
         </p:txBody>
       </p:sp>
@@ -26215,7 +25535,7 @@
               <a:buSzPct val="80000"/>
             </a:pPr>
             <a:r>
-              <a:rPr lang="en-US" sz="3200" dirty="0" smtClean="0">
+              <a:rPr lang="en-US" sz="3200" dirty="0">
                 <a:solidFill>
                   <a:srgbClr val="7F7F7F"/>
                 </a:solidFill>
@@ -26234,18 +25554,13 @@
               <a:buSzPct val="80000"/>
             </a:pPr>
             <a:r>
-              <a:rPr lang="en-US" sz="3200" dirty="0" smtClean="0">
+              <a:rPr lang="en-US" sz="3200" dirty="0">
                 <a:solidFill>
                   <a:srgbClr val="7F7F7F"/>
                 </a:solidFill>
               </a:rPr>
               <a:t>shared-access signature</a:t>
             </a:r>
-            <a:endParaRPr lang="en-US" sz="3200" dirty="0">
-              <a:solidFill>
-                <a:srgbClr val="7F7F7F"/>
-              </a:solidFill>
-            </a:endParaRPr>
           </a:p>
         </p:txBody>
       </p:sp>
@@ -26367,10 +25682,9 @@
           <a:lstStyle/>
           <a:p>
             <a:r>
-              <a:rPr lang="en-US" dirty="0" smtClean="0"/>
+              <a:rPr lang="en-US" dirty="0"/>
               <a:t>Storage Containers</a:t>
             </a:r>
-            <a:endParaRPr lang="en-US" dirty="0"/>
           </a:p>
         </p:txBody>
       </p:sp>
@@ -26397,12 +25711,8 @@
           <a:lstStyle/>
           <a:p>
             <a:r>
-              <a:rPr lang="en-US" dirty="0" smtClean="0"/>
-              <a:t>Three </a:t>
-            </a:r>
-            <a:r>
               <a:rPr lang="en-US" dirty="0"/>
-              <a:t>access policies</a:t>
+              <a:t>Three access policies</a:t>
             </a:r>
           </a:p>
           <a:p>
@@ -26415,23 +25725,15 @@
           <a:p>
             <a:pPr lvl="1"/>
             <a:r>
-              <a:rPr lang="en-US" dirty="0" smtClean="0"/>
-              <a:t>Container </a:t>
-            </a:r>
-            <a:r>
               <a:rPr lang="en-US" dirty="0"/>
-              <a:t>– Blobs can be read and enumerated anonymously</a:t>
+              <a:t>Container – Blobs can be read and enumerated anonymously</a:t>
             </a:r>
           </a:p>
           <a:p>
             <a:pPr lvl="1"/>
             <a:r>
-              <a:rPr lang="en-US" dirty="0" smtClean="0"/>
-              <a:t>Blob </a:t>
-            </a:r>
-            <a:r>
               <a:rPr lang="en-US" dirty="0"/>
-              <a:t>– Blobs can be read anonymously, but cannot be enumerated</a:t>
+              <a:t>Blob – Blobs can be read anonymously, but cannot be enumerated</a:t>
             </a:r>
           </a:p>
           <a:p>
@@ -26473,13 +25775,6 @@
   <p:clrMapOvr>
     <a:masterClrMapping/>
   </p:clrMapOvr>
-  <p:timing>
-    <p:tnLst>
-      <p:par>
-        <p:cTn id="1" dur="indefinite" restart="never" nodeType="tmRoot"/>
-      </p:par>
-    </p:tnLst>
-  </p:timing>
 </p:sld>
 </file>
 
@@ -26516,10 +25811,9 @@
           <a:lstStyle/>
           <a:p>
             <a:r>
-              <a:rPr lang="en-US" dirty="0" smtClean="0"/>
+              <a:rPr lang="en-US" dirty="0"/>
               <a:t>Storage Blobs</a:t>
             </a:r>
-            <a:endParaRPr lang="en-US" dirty="0"/>
           </a:p>
         </p:txBody>
       </p:sp>
@@ -26539,13 +25833,13 @@
           <a:lstStyle/>
           <a:p>
             <a:r>
-              <a:rPr lang="en-US" dirty="0" smtClean="0"/>
+              <a:rPr lang="en-US" dirty="0"/>
               <a:t>Unlimited number of blobs per container</a:t>
             </a:r>
           </a:p>
           <a:p>
             <a:r>
-              <a:rPr lang="en-US" dirty="0" smtClean="0"/>
+              <a:rPr lang="en-US" dirty="0"/>
               <a:t>Three types of blobs</a:t>
             </a:r>
           </a:p>
@@ -26553,29 +25847,21 @@
             <a:endParaRPr lang="en-US" dirty="0"/>
           </a:p>
           <a:p>
-            <a:endParaRPr lang="en-US" dirty="0" smtClean="0"/>
-          </a:p>
-          <a:p>
             <a:endParaRPr lang="en-US" dirty="0"/>
           </a:p>
           <a:p>
-            <a:endParaRPr lang="en-US" dirty="0" smtClean="0"/>
-          </a:p>
-          <a:p>
             <a:endParaRPr lang="en-US" dirty="0"/>
           </a:p>
           <a:p>
-            <a:r>
-              <a:rPr lang="en-US" dirty="0" smtClean="0"/>
-              <a:t>Blobs also support user-defined metadata</a:t>
-            </a:r>
+            <a:endParaRPr lang="en-US" dirty="0"/>
+          </a:p>
+          <a:p>
+            <a:endParaRPr lang="en-US" dirty="0"/>
+          </a:p>
+          <a:p>
             <a:r>
               <a:rPr lang="en-US" dirty="0"/>
-              <a:t> </a:t>
-            </a:r>
-            <a:r>
-              <a:rPr lang="en-US" dirty="0" smtClean="0"/>
-              <a:t>(key-value pairs)</a:t>
+              <a:t>Blobs also support user-defined metadata (key-value pairs)</a:t>
             </a:r>
           </a:p>
         </p:txBody>
@@ -26627,18 +25913,13 @@
               </a:spcAft>
             </a:pPr>
             <a:r>
-              <a:rPr lang="en-US" sz="3600" dirty="0" smtClean="0">
+              <a:rPr lang="en-US" sz="3600" dirty="0">
                 <a:solidFill>
                   <a:schemeClr val="bg1"/>
                 </a:solidFill>
               </a:rPr>
               <a:t>Page</a:t>
             </a:r>
-            <a:endParaRPr lang="en-US" sz="3600" dirty="0">
-              <a:solidFill>
-                <a:schemeClr val="bg1"/>
-              </a:solidFill>
-            </a:endParaRPr>
           </a:p>
           <a:p>
             <a:pPr algn="ctr">
@@ -26647,7 +25928,7 @@
               </a:spcAft>
             </a:pPr>
             <a:r>
-              <a:rPr lang="en-US" sz="2000" dirty="0" smtClean="0">
+              <a:rPr lang="en-US" sz="2000" dirty="0">
                 <a:solidFill>
                   <a:schemeClr val="bg1"/>
                 </a:solidFill>
@@ -26658,7 +25939,7 @@
           <a:p>
             <a:pPr algn="ctr"/>
             <a:r>
-              <a:rPr lang="en-US" sz="1600" dirty="0" smtClean="0">
+              <a:rPr lang="en-US" sz="1600" dirty="0">
                 <a:solidFill>
                   <a:schemeClr val="bg1"/>
                 </a:solidFill>
@@ -26715,18 +25996,13 @@
               </a:spcAft>
             </a:pPr>
             <a:r>
-              <a:rPr lang="en-US" sz="3600" dirty="0" smtClean="0">
+              <a:rPr lang="en-US" sz="3600" dirty="0">
                 <a:solidFill>
                   <a:schemeClr val="bg1"/>
                 </a:solidFill>
               </a:rPr>
               <a:t>Append</a:t>
             </a:r>
-            <a:endParaRPr lang="en-US" sz="3600" dirty="0">
-              <a:solidFill>
-                <a:schemeClr val="bg1"/>
-              </a:solidFill>
-            </a:endParaRPr>
           </a:p>
           <a:p>
             <a:pPr algn="ctr">
@@ -26735,7 +26011,7 @@
               </a:spcAft>
             </a:pPr>
             <a:r>
-              <a:rPr lang="en-US" sz="2000" dirty="0" smtClean="0">
+              <a:rPr lang="en-US" sz="2000" dirty="0">
                 <a:solidFill>
                   <a:schemeClr val="bg1"/>
                 </a:solidFill>
@@ -26746,7 +26022,7 @@
           <a:p>
             <a:pPr algn="ctr"/>
             <a:r>
-              <a:rPr lang="en-US" sz="1600" dirty="0" smtClean="0">
+              <a:rPr lang="en-US" sz="1600" dirty="0">
                 <a:solidFill>
                   <a:schemeClr val="bg1"/>
                 </a:solidFill>
@@ -26803,18 +26079,13 @@
               </a:spcAft>
             </a:pPr>
             <a:r>
-              <a:rPr lang="en-US" sz="3600" dirty="0" smtClean="0">
+              <a:rPr lang="en-US" sz="3600" dirty="0">
                 <a:solidFill>
                   <a:schemeClr val="bg1"/>
                 </a:solidFill>
               </a:rPr>
               <a:t>Block</a:t>
             </a:r>
-            <a:endParaRPr lang="en-US" sz="3600" dirty="0">
-              <a:solidFill>
-                <a:schemeClr val="bg1"/>
-              </a:solidFill>
-            </a:endParaRPr>
           </a:p>
           <a:p>
             <a:pPr algn="ctr">
@@ -26823,34 +26094,18 @@
               </a:spcAft>
             </a:pPr>
             <a:r>
-              <a:rPr lang="en-US" sz="2000" dirty="0" smtClean="0">
-                <a:solidFill>
-                  <a:schemeClr val="bg1"/>
-                </a:solidFill>
-              </a:rPr>
-              <a:t>Up to 4.75 </a:t>
-            </a:r>
-            <a:r>
               <a:rPr lang="en-US" sz="2000" dirty="0">
                 <a:solidFill>
                   <a:schemeClr val="bg1"/>
                 </a:solidFill>
               </a:rPr>
-              <a:t>T</a:t>
-            </a:r>
-            <a:r>
-              <a:rPr lang="en-US" sz="2000" dirty="0" smtClean="0">
-                <a:solidFill>
-                  <a:schemeClr val="bg1"/>
-                </a:solidFill>
-              </a:rPr>
-              <a:t>B</a:t>
+              <a:t>Up to 4.75 TB</a:t>
             </a:r>
           </a:p>
           <a:p>
             <a:pPr algn="ctr"/>
             <a:r>
-              <a:rPr lang="en-US" sz="1600" dirty="0" smtClean="0">
+              <a:rPr lang="en-US" sz="1600" dirty="0">
                 <a:solidFill>
                   <a:schemeClr val="bg1"/>
                 </a:solidFill>
@@ -26870,13 +26125,6 @@
   <p:clrMapOvr>
     <a:masterClrMapping/>
   </p:clrMapOvr>
-  <p:timing>
-    <p:tnLst>
-      <p:par>
-        <p:cTn id="1" dur="indefinite" restart="never" nodeType="tmRoot"/>
-      </p:par>
-    </p:tnLst>
-  </p:timing>
 </p:sld>
 </file>
 
